--- a/ppt/Fig.pptx
+++ b/ppt/Fig.pptx
@@ -5,16 +5,17 @@
     <p:sldMasterId id="2147483672" r:id="rId1"/>
   </p:sldMasterIdLst>
   <p:notesMasterIdLst>
-    <p:notesMasterId r:id="rId9"/>
+    <p:notesMasterId r:id="rId10"/>
   </p:notesMasterIdLst>
   <p:sldIdLst>
-    <p:sldId id="268" r:id="rId2"/>
-    <p:sldId id="267" r:id="rId3"/>
+    <p:sldId id="269" r:id="rId2"/>
+    <p:sldId id="270" r:id="rId3"/>
     <p:sldId id="261" r:id="rId4"/>
     <p:sldId id="265" r:id="rId5"/>
     <p:sldId id="266" r:id="rId6"/>
     <p:sldId id="260" r:id="rId7"/>
-    <p:sldId id="263" r:id="rId8"/>
+    <p:sldId id="271" r:id="rId8"/>
+    <p:sldId id="263" r:id="rId9"/>
   </p:sldIdLst>
   <p:sldSz cx="23774400" cy="23774400"/>
   <p:notesSz cx="6858000" cy="9144000"/>
@@ -203,7 +204,7 @@
           <a:p>
             <a:fld id="{1A913C71-EFAB-43D1-B854-1FA321EB4913}" type="datetimeFigureOut">
               <a:rPr lang="zh-TW" altLang="en-US" smtClean="0"/>
-              <a:t>2023/2/26</a:t>
+              <a:t>2023/3/1</a:t>
             </a:fld>
             <a:endParaRPr lang="zh-TW" altLang="en-US"/>
           </a:p>
@@ -489,7 +490,7 @@
       </p:grpSpPr>
       <p:sp>
         <p:nvSpPr>
-          <p:cNvPr id="2" name="投影片圖像版面配置區 1"/>
+          <p:cNvPr id="2" name="投影片影像版面配置區 1"/>
           <p:cNvSpPr>
             <a:spLocks noGrp="1" noRot="1" noChangeAspect="1"/>
           </p:cNvSpPr>
@@ -514,6 +515,23 @@
           <a:bodyPr/>
           <a:lstStyle/>
           <a:p>
+            <a:pPr marL="0" marR="0" lvl="0" indent="0" algn="l" defTabSz="1799539" rtl="0" eaLnBrk="1" fontAlgn="auto" latinLnBrk="0" hangingPunct="1">
+              <a:lnSpc>
+                <a:spcPct val="100000"/>
+              </a:lnSpc>
+              <a:spcBef>
+                <a:spcPts val="0"/>
+              </a:spcBef>
+              <a:spcAft>
+                <a:spcPts val="0"/>
+              </a:spcAft>
+              <a:buClrTx/>
+              <a:buSzTx/>
+              <a:buFontTx/>
+              <a:buNone/>
+              <a:tabLst/>
+              <a:defRPr/>
+            </a:pPr>
             <a:r>
               <a:rPr lang="en-US" altLang="zh-TW" dirty="0"/>
               <a:t>Fig. 1 Sampling map of </a:t>
@@ -524,14 +542,13 @@
             </a:r>
             <a:r>
               <a:rPr lang="en-US" altLang="zh-TW" baseline="0" dirty="0"/>
-              <a:t> and </a:t>
-            </a:r>
-            <a:r>
-              <a:rPr lang="en-US" altLang="zh-TW" baseline="0" dirty="0" err="1"/>
-              <a:t>macrobenthos</a:t>
+              <a:t> and macrobenthos</a:t>
             </a:r>
             <a:endParaRPr lang="zh-TW" altLang="en-US" dirty="0"/>
           </a:p>
+          <a:p>
+            <a:endParaRPr lang="en-US" dirty="0"/>
+          </a:p>
         </p:txBody>
       </p:sp>
       <p:sp>
@@ -541,7 +558,7 @@
             <a:spLocks noGrp="1"/>
           </p:cNvSpPr>
           <p:nvPr>
-            <p:ph type="sldNum" sz="quarter" idx="10"/>
+            <p:ph type="sldNum" sz="quarter" idx="5"/>
           </p:nvPr>
         </p:nvSpPr>
         <p:spPr/>
@@ -560,7 +577,7 @@
     </p:spTree>
     <p:extLst>
       <p:ext uri="{BB962C8B-B14F-4D97-AF65-F5344CB8AC3E}">
-        <p14:creationId xmlns:p14="http://schemas.microsoft.com/office/powerpoint/2010/main" val="3368442603"/>
+        <p14:creationId xmlns:p14="http://schemas.microsoft.com/office/powerpoint/2010/main" val="2642624477"/>
       </p:ext>
     </p:extLst>
   </p:cSld>
@@ -589,7 +606,7 @@
       </p:grpSpPr>
       <p:sp>
         <p:nvSpPr>
-          <p:cNvPr id="2" name="投影片圖像版面配置區 1"/>
+          <p:cNvPr id="2" name="投影片影像版面配置區 1"/>
           <p:cNvSpPr>
             <a:spLocks noGrp="1" noRot="1" noChangeAspect="1"/>
           </p:cNvSpPr>
@@ -614,6 +631,23 @@
           <a:bodyPr/>
           <a:lstStyle/>
           <a:p>
+            <a:pPr marL="0" marR="0" lvl="0" indent="0" algn="l" defTabSz="1799539" rtl="0" eaLnBrk="1" fontAlgn="auto" latinLnBrk="0" hangingPunct="1">
+              <a:lnSpc>
+                <a:spcPct val="100000"/>
+              </a:lnSpc>
+              <a:spcBef>
+                <a:spcPts val="0"/>
+              </a:spcBef>
+              <a:spcAft>
+                <a:spcPts val="0"/>
+              </a:spcAft>
+              <a:buClrTx/>
+              <a:buSzTx/>
+              <a:buFontTx/>
+              <a:buNone/>
+              <a:tabLst/>
+              <a:defRPr/>
+            </a:pPr>
             <a:r>
               <a:rPr lang="en-US" altLang="zh-TW" dirty="0"/>
               <a:t>Fig. 2 Size spectrum of </a:t>
@@ -624,18 +658,13 @@
             </a:r>
             <a:r>
               <a:rPr lang="en-US" altLang="zh-TW" dirty="0"/>
-              <a:t> and </a:t>
-            </a:r>
-            <a:r>
-              <a:rPr lang="en-US" altLang="zh-TW" dirty="0" err="1"/>
-              <a:t>macrobenthos</a:t>
-            </a:r>
-            <a:r>
-              <a:rPr lang="en-US" altLang="zh-TW" dirty="0"/>
-              <a:t>. </a:t>
+              <a:t> and macrobenthos. </a:t>
             </a:r>
             <a:endParaRPr lang="zh-TW" altLang="en-US" dirty="0"/>
           </a:p>
+          <a:p>
+            <a:endParaRPr lang="en-US" dirty="0"/>
+          </a:p>
         </p:txBody>
       </p:sp>
       <p:sp>
@@ -645,7 +674,7 @@
             <a:spLocks noGrp="1"/>
           </p:cNvSpPr>
           <p:nvPr>
-            <p:ph type="sldNum" sz="quarter" idx="10"/>
+            <p:ph type="sldNum" sz="quarter" idx="5"/>
           </p:nvPr>
         </p:nvSpPr>
         <p:spPr/>
@@ -664,7 +693,7 @@
     </p:spTree>
     <p:extLst>
       <p:ext uri="{BB962C8B-B14F-4D97-AF65-F5344CB8AC3E}">
-        <p14:creationId xmlns:p14="http://schemas.microsoft.com/office/powerpoint/2010/main" val="2304702388"/>
+        <p14:creationId xmlns:p14="http://schemas.microsoft.com/office/powerpoint/2010/main" val="2039329466"/>
       </p:ext>
     </p:extLst>
   </p:cSld>
@@ -1168,6 +1197,93 @@
       </p:grpSpPr>
       <p:sp>
         <p:nvSpPr>
+          <p:cNvPr id="2" name="投影片影像版面配置區 1"/>
+          <p:cNvSpPr>
+            <a:spLocks noGrp="1" noRot="1" noChangeAspect="1"/>
+          </p:cNvSpPr>
+          <p:nvPr>
+            <p:ph type="sldImg"/>
+          </p:nvPr>
+        </p:nvSpPr>
+        <p:spPr/>
+      </p:sp>
+      <p:sp>
+        <p:nvSpPr>
+          <p:cNvPr id="3" name="備忘稿版面配置區 2"/>
+          <p:cNvSpPr>
+            <a:spLocks noGrp="1"/>
+          </p:cNvSpPr>
+          <p:nvPr>
+            <p:ph type="body" idx="1"/>
+          </p:nvPr>
+        </p:nvSpPr>
+        <p:spPr/>
+        <p:txBody>
+          <a:bodyPr/>
+          <a:lstStyle/>
+          <a:p>
+            <a:r>
+              <a:rPr lang="en-US" dirty="0"/>
+              <a:t>Fig. S1</a:t>
+            </a:r>
+          </a:p>
+        </p:txBody>
+      </p:sp>
+      <p:sp>
+        <p:nvSpPr>
+          <p:cNvPr id="4" name="投影片編號版面配置區 3"/>
+          <p:cNvSpPr>
+            <a:spLocks noGrp="1"/>
+          </p:cNvSpPr>
+          <p:nvPr>
+            <p:ph type="sldNum" sz="quarter" idx="5"/>
+          </p:nvPr>
+        </p:nvSpPr>
+        <p:spPr/>
+        <p:txBody>
+          <a:bodyPr/>
+          <a:lstStyle/>
+          <a:p>
+            <a:fld id="{ED43E6AA-0423-44CA-AE38-FBA3039C901F}" type="slidenum">
+              <a:rPr lang="zh-TW" altLang="en-US" smtClean="0"/>
+              <a:t>7</a:t>
+            </a:fld>
+            <a:endParaRPr lang="zh-TW" altLang="en-US"/>
+          </a:p>
+        </p:txBody>
+      </p:sp>
+    </p:spTree>
+    <p:extLst>
+      <p:ext uri="{BB962C8B-B14F-4D97-AF65-F5344CB8AC3E}">
+        <p14:creationId xmlns:p14="http://schemas.microsoft.com/office/powerpoint/2010/main" val="3795206840"/>
+      </p:ext>
+    </p:extLst>
+  </p:cSld>
+  <p:clrMapOvr>
+    <a:masterClrMapping/>
+  </p:clrMapOvr>
+</p:notes>
+</file>
+
+<file path=ppt/notesSlides/notesSlide8.xml><?xml version="1.0" encoding="utf-8"?>
+<p:notes xmlns:a="http://schemas.openxmlformats.org/drawingml/2006/main" xmlns:r="http://schemas.openxmlformats.org/officeDocument/2006/relationships" xmlns:p="http://schemas.openxmlformats.org/presentationml/2006/main">
+  <p:cSld>
+    <p:spTree>
+      <p:nvGrpSpPr>
+        <p:cNvPr id="1" name=""/>
+        <p:cNvGrpSpPr/>
+        <p:nvPr/>
+      </p:nvGrpSpPr>
+      <p:grpSpPr>
+        <a:xfrm>
+          <a:off x="0" y="0"/>
+          <a:ext cx="0" cy="0"/>
+          <a:chOff x="0" y="0"/>
+          <a:chExt cx="0" cy="0"/>
+        </a:xfrm>
+      </p:grpSpPr>
+      <p:sp>
+        <p:nvSpPr>
           <p:cNvPr id="2" name="投影片圖像版面配置區 1"/>
           <p:cNvSpPr>
             <a:spLocks noGrp="1" noRot="1" noChangeAspect="1"/>
@@ -1212,7 +1328,7 @@
             </a:pPr>
             <a:r>
               <a:rPr lang="en-US" altLang="zh-TW" dirty="0"/>
-              <a:t>Fig. S1 Size spectrum of </a:t>
+              <a:t>Fig. S2 Size spectrum of </a:t>
             </a:r>
             <a:r>
               <a:rPr lang="en-US" altLang="zh-TW" dirty="0" err="1"/>
@@ -1220,15 +1336,7 @@
             </a:r>
             <a:r>
               <a:rPr lang="en-US" altLang="zh-TW" dirty="0"/>
-              <a:t> and </a:t>
-            </a:r>
-            <a:r>
-              <a:rPr lang="en-US" altLang="zh-TW" dirty="0" err="1"/>
-              <a:t>macrobenthos</a:t>
-            </a:r>
-            <a:r>
-              <a:rPr lang="en-US" altLang="zh-TW" dirty="0"/>
-              <a:t>. The meiofauna</a:t>
+              <a:t> and macrobenthos. The meiofauna</a:t>
             </a:r>
             <a:r>
               <a:rPr lang="en-US" altLang="zh-TW" baseline="0" dirty="0"/>
@@ -1258,7 +1366,7 @@
           <a:p>
             <a:fld id="{ED43E6AA-0423-44CA-AE38-FBA3039C901F}" type="slidenum">
               <a:rPr lang="zh-TW" altLang="en-US" smtClean="0"/>
-              <a:t>7</a:t>
+              <a:t>8</a:t>
             </a:fld>
             <a:endParaRPr lang="zh-TW" altLang="en-US"/>
           </a:p>
@@ -1408,7 +1516,7 @@
           <a:p>
             <a:fld id="{38C88D40-311B-4DC9-B5DC-A97249C6D501}" type="datetimeFigureOut">
               <a:rPr lang="zh-TW" altLang="en-US" smtClean="0"/>
-              <a:t>2023/2/26</a:t>
+              <a:t>2023/3/1</a:t>
             </a:fld>
             <a:endParaRPr lang="zh-TW" altLang="en-US"/>
           </a:p>
@@ -1578,7 +1686,7 @@
           <a:p>
             <a:fld id="{38C88D40-311B-4DC9-B5DC-A97249C6D501}" type="datetimeFigureOut">
               <a:rPr lang="zh-TW" altLang="en-US" smtClean="0"/>
-              <a:t>2023/2/26</a:t>
+              <a:t>2023/3/1</a:t>
             </a:fld>
             <a:endParaRPr lang="zh-TW" altLang="en-US"/>
           </a:p>
@@ -1758,7 +1866,7 @@
           <a:p>
             <a:fld id="{38C88D40-311B-4DC9-B5DC-A97249C6D501}" type="datetimeFigureOut">
               <a:rPr lang="zh-TW" altLang="en-US" smtClean="0"/>
-              <a:t>2023/2/26</a:t>
+              <a:t>2023/3/1</a:t>
             </a:fld>
             <a:endParaRPr lang="zh-TW" altLang="en-US"/>
           </a:p>
@@ -1928,7 +2036,7 @@
           <a:p>
             <a:fld id="{38C88D40-311B-4DC9-B5DC-A97249C6D501}" type="datetimeFigureOut">
               <a:rPr lang="zh-TW" altLang="en-US" smtClean="0"/>
-              <a:t>2023/2/26</a:t>
+              <a:t>2023/3/1</a:t>
             </a:fld>
             <a:endParaRPr lang="zh-TW" altLang="en-US"/>
           </a:p>
@@ -2172,7 +2280,7 @@
           <a:p>
             <a:fld id="{38C88D40-311B-4DC9-B5DC-A97249C6D501}" type="datetimeFigureOut">
               <a:rPr lang="zh-TW" altLang="en-US" smtClean="0"/>
-              <a:t>2023/2/26</a:t>
+              <a:t>2023/3/1</a:t>
             </a:fld>
             <a:endParaRPr lang="zh-TW" altLang="en-US"/>
           </a:p>
@@ -2404,7 +2512,7 @@
           <a:p>
             <a:fld id="{38C88D40-311B-4DC9-B5DC-A97249C6D501}" type="datetimeFigureOut">
               <a:rPr lang="zh-TW" altLang="en-US" smtClean="0"/>
-              <a:t>2023/2/26</a:t>
+              <a:t>2023/3/1</a:t>
             </a:fld>
             <a:endParaRPr lang="zh-TW" altLang="en-US"/>
           </a:p>
@@ -2771,7 +2879,7 @@
           <a:p>
             <a:fld id="{38C88D40-311B-4DC9-B5DC-A97249C6D501}" type="datetimeFigureOut">
               <a:rPr lang="zh-TW" altLang="en-US" smtClean="0"/>
-              <a:t>2023/2/26</a:t>
+              <a:t>2023/3/1</a:t>
             </a:fld>
             <a:endParaRPr lang="zh-TW" altLang="en-US"/>
           </a:p>
@@ -2889,7 +2997,7 @@
           <a:p>
             <a:fld id="{38C88D40-311B-4DC9-B5DC-A97249C6D501}" type="datetimeFigureOut">
               <a:rPr lang="zh-TW" altLang="en-US" smtClean="0"/>
-              <a:t>2023/2/26</a:t>
+              <a:t>2023/3/1</a:t>
             </a:fld>
             <a:endParaRPr lang="zh-TW" altLang="en-US"/>
           </a:p>
@@ -2984,7 +3092,7 @@
           <a:p>
             <a:fld id="{38C88D40-311B-4DC9-B5DC-A97249C6D501}" type="datetimeFigureOut">
               <a:rPr lang="zh-TW" altLang="en-US" smtClean="0"/>
-              <a:t>2023/2/26</a:t>
+              <a:t>2023/3/1</a:t>
             </a:fld>
             <a:endParaRPr lang="zh-TW" altLang="en-US"/>
           </a:p>
@@ -3261,7 +3369,7 @@
           <a:p>
             <a:fld id="{38C88D40-311B-4DC9-B5DC-A97249C6D501}" type="datetimeFigureOut">
               <a:rPr lang="zh-TW" altLang="en-US" smtClean="0"/>
-              <a:t>2023/2/26</a:t>
+              <a:t>2023/3/1</a:t>
             </a:fld>
             <a:endParaRPr lang="zh-TW" altLang="en-US"/>
           </a:p>
@@ -3518,7 +3626,7 @@
           <a:p>
             <a:fld id="{38C88D40-311B-4DC9-B5DC-A97249C6D501}" type="datetimeFigureOut">
               <a:rPr lang="zh-TW" altLang="en-US" smtClean="0"/>
-              <a:t>2023/2/26</a:t>
+              <a:t>2023/3/1</a:t>
             </a:fld>
             <a:endParaRPr lang="zh-TW" altLang="en-US"/>
           </a:p>
@@ -3731,7 +3839,7 @@
           <a:p>
             <a:fld id="{38C88D40-311B-4DC9-B5DC-A97249C6D501}" type="datetimeFigureOut">
               <a:rPr lang="zh-TW" altLang="en-US" smtClean="0"/>
-              <a:t>2023/2/26</a:t>
+              <a:t>2023/3/1</a:t>
             </a:fld>
             <a:endParaRPr lang="zh-TW" altLang="en-US"/>
           </a:p>
@@ -4136,478 +4244,417 @@
           <a:chExt cx="0" cy="0"/>
         </a:xfrm>
       </p:grpSpPr>
-      <p:grpSp>
-        <p:nvGrpSpPr>
-          <p:cNvPr id="5" name="群組 4">
+      <p:pic>
+        <p:nvPicPr>
+          <p:cNvPr id="5" name="圖片 4">
             <a:extLst>
               <a:ext uri="{FF2B5EF4-FFF2-40B4-BE49-F238E27FC236}">
-                <a16:creationId xmlns:a16="http://schemas.microsoft.com/office/drawing/2014/main" id="{492ED768-1810-428B-A2B1-9D21029CE09F}"/>
+                <a16:creationId xmlns:a16="http://schemas.microsoft.com/office/drawing/2014/main" id="{80677C58-564B-4480-9CB2-FBDB03ECEAAB}"/>
               </a:ext>
             </a:extLst>
           </p:cNvPr>
-          <p:cNvGrpSpPr/>
+          <p:cNvPicPr>
+            <a:picLocks noChangeAspect="1"/>
+          </p:cNvPicPr>
           <p:nvPr/>
-        </p:nvGrpSpPr>
-        <p:grpSpPr>
+        </p:nvPicPr>
+        <p:blipFill>
+          <a:blip r:embed="rId3"/>
+          <a:stretch>
+            <a:fillRect/>
+          </a:stretch>
+        </p:blipFill>
+        <p:spPr>
           <a:xfrm>
-            <a:off x="1828800" y="4521079"/>
-            <a:ext cx="20116800" cy="15189321"/>
-            <a:chOff x="1828800" y="4521079"/>
-            <a:chExt cx="20116800" cy="15189321"/>
+            <a:off x="914400" y="4572000"/>
+            <a:ext cx="21945600" cy="14630400"/>
           </a:xfrm>
-        </p:grpSpPr>
-        <p:pic>
-          <p:nvPicPr>
-            <p:cNvPr id="2" name="圖片 1">
-              <a:extLst>
-                <a:ext uri="{FF2B5EF4-FFF2-40B4-BE49-F238E27FC236}">
-                  <a16:creationId xmlns:a16="http://schemas.microsoft.com/office/drawing/2014/main" id="{CB0B1AD0-0A29-48EF-A9DB-FE26311E963B}"/>
-                </a:ext>
-              </a:extLst>
-            </p:cNvPr>
-            <p:cNvPicPr>
-              <a:picLocks noChangeAspect="1"/>
-            </p:cNvPicPr>
-            <p:nvPr/>
-          </p:nvPicPr>
-          <p:blipFill rotWithShape="1">
-            <a:blip r:embed="rId3"/>
-            <a:srcRect l="15104"/>
-            <a:stretch/>
-          </p:blipFill>
-          <p:spPr>
-            <a:xfrm>
-              <a:off x="1828800" y="5080000"/>
-              <a:ext cx="12420600" cy="14630400"/>
-            </a:xfrm>
-            <a:prstGeom prst="rect">
-              <a:avLst/>
-            </a:prstGeom>
-          </p:spPr>
-        </p:pic>
-        <p:pic>
-          <p:nvPicPr>
-            <p:cNvPr id="3" name="圖片 2">
-              <a:extLst>
-                <a:ext uri="{FF2B5EF4-FFF2-40B4-BE49-F238E27FC236}">
-                  <a16:creationId xmlns:a16="http://schemas.microsoft.com/office/drawing/2014/main" id="{DBC6473E-F937-4FA5-848C-78D22D03B36D}"/>
-                </a:ext>
-              </a:extLst>
-            </p:cNvPr>
-            <p:cNvPicPr>
-              <a:picLocks noChangeAspect="1"/>
-            </p:cNvPicPr>
-            <p:nvPr/>
-          </p:nvPicPr>
-          <p:blipFill rotWithShape="1">
-            <a:blip r:embed="rId4"/>
-            <a:srcRect l="16667" r="13715"/>
-            <a:stretch/>
-          </p:blipFill>
-          <p:spPr>
-            <a:xfrm>
-              <a:off x="11760200" y="5080000"/>
-              <a:ext cx="10185400" cy="14630400"/>
-            </a:xfrm>
-            <a:prstGeom prst="rect">
-              <a:avLst/>
-            </a:prstGeom>
-          </p:spPr>
-        </p:pic>
-        <p:sp>
-          <p:nvSpPr>
-            <p:cNvPr id="14" name="文字方塊 13">
-              <a:extLst>
-                <a:ext uri="{FF2B5EF4-FFF2-40B4-BE49-F238E27FC236}">
-                  <a16:creationId xmlns:a16="http://schemas.microsoft.com/office/drawing/2014/main" id="{B4D36496-FD39-4F51-A419-35DFB7D20BB5}"/>
-                </a:ext>
-              </a:extLst>
-            </p:cNvPr>
-            <p:cNvSpPr txBox="1"/>
-            <p:nvPr/>
-          </p:nvSpPr>
-          <p:spPr>
-            <a:xfrm>
-              <a:off x="2133600" y="6006306"/>
-              <a:ext cx="731290" cy="646331"/>
-            </a:xfrm>
-            <a:prstGeom prst="rect">
-              <a:avLst/>
-            </a:prstGeom>
-            <a:noFill/>
-          </p:spPr>
-          <p:txBody>
-            <a:bodyPr wrap="none" rtlCol="0">
-              <a:spAutoFit/>
-            </a:bodyPr>
-            <a:lstStyle/>
-            <a:p>
-              <a:r>
-                <a:rPr lang="en-US" altLang="zh-TW" sz="3600" dirty="0"/>
-                <a:t>(A)</a:t>
-              </a:r>
-              <a:endParaRPr lang="zh-TW" altLang="en-US" sz="3600" dirty="0"/>
-            </a:p>
-          </p:txBody>
-        </p:sp>
-        <p:sp>
-          <p:nvSpPr>
-            <p:cNvPr id="16" name="文字方塊 15">
-              <a:extLst>
-                <a:ext uri="{FF2B5EF4-FFF2-40B4-BE49-F238E27FC236}">
-                  <a16:creationId xmlns:a16="http://schemas.microsoft.com/office/drawing/2014/main" id="{6821A2F6-6D40-4BE3-83C0-D02AC3B5015F}"/>
-                </a:ext>
-              </a:extLst>
-            </p:cNvPr>
-            <p:cNvSpPr txBox="1"/>
-            <p:nvPr/>
-          </p:nvSpPr>
-          <p:spPr>
-            <a:xfrm>
-              <a:off x="12187560" y="6006306"/>
-              <a:ext cx="715260" cy="646331"/>
-            </a:xfrm>
-            <a:prstGeom prst="rect">
-              <a:avLst/>
-            </a:prstGeom>
-            <a:noFill/>
-          </p:spPr>
-          <p:txBody>
-            <a:bodyPr wrap="none" rtlCol="0">
-              <a:spAutoFit/>
-            </a:bodyPr>
-            <a:lstStyle/>
-            <a:p>
-              <a:r>
-                <a:rPr lang="en-US" altLang="zh-TW" sz="3600" dirty="0"/>
-                <a:t>(B)</a:t>
-              </a:r>
-              <a:endParaRPr lang="zh-TW" altLang="en-US" sz="3600" dirty="0"/>
-            </a:p>
-          </p:txBody>
-        </p:sp>
-        <p:sp>
-          <p:nvSpPr>
-            <p:cNvPr id="20" name="文字方塊 19">
-              <a:extLst>
-                <a:ext uri="{FF2B5EF4-FFF2-40B4-BE49-F238E27FC236}">
-                  <a16:creationId xmlns:a16="http://schemas.microsoft.com/office/drawing/2014/main" id="{B0AFA960-FCE4-462B-BEB1-88DB12E22EF1}"/>
-                </a:ext>
-              </a:extLst>
-            </p:cNvPr>
-            <p:cNvSpPr txBox="1"/>
-            <p:nvPr/>
-          </p:nvSpPr>
-          <p:spPr>
-            <a:xfrm>
-              <a:off x="7696200" y="12489543"/>
-              <a:ext cx="1469761" cy="637419"/>
-            </a:xfrm>
-            <a:prstGeom prst="rect">
-              <a:avLst/>
-            </a:prstGeom>
-            <a:noFill/>
-          </p:spPr>
-          <p:txBody>
-            <a:bodyPr wrap="none" rtlCol="0">
-              <a:spAutoFit/>
-            </a:bodyPr>
-            <a:lstStyle/>
-            <a:p>
-              <a:r>
-                <a:rPr lang="en-US" altLang="zh-TW" dirty="0">
-                  <a:solidFill>
-                    <a:schemeClr val="bg1"/>
-                  </a:solidFill>
-                </a:rPr>
-                <a:t>Taiwan</a:t>
-              </a:r>
-              <a:endParaRPr lang="en-US" dirty="0">
+          <a:prstGeom prst="rect">
+            <a:avLst/>
+          </a:prstGeom>
+        </p:spPr>
+      </p:pic>
+      <p:sp>
+        <p:nvSpPr>
+          <p:cNvPr id="6" name="文字方塊 5">
+            <a:extLst>
+              <a:ext uri="{FF2B5EF4-FFF2-40B4-BE49-F238E27FC236}">
+                <a16:creationId xmlns:a16="http://schemas.microsoft.com/office/drawing/2014/main" id="{571B0AE8-E39B-4DEF-860E-6467C99B2A13}"/>
+              </a:ext>
+            </a:extLst>
+          </p:cNvPr>
+          <p:cNvSpPr txBox="1"/>
+          <p:nvPr/>
+        </p:nvSpPr>
+        <p:spPr>
+          <a:xfrm>
+            <a:off x="2565400" y="6361906"/>
+            <a:ext cx="731290" cy="646331"/>
+          </a:xfrm>
+          <a:prstGeom prst="rect">
+            <a:avLst/>
+          </a:prstGeom>
+          <a:noFill/>
+        </p:spPr>
+        <p:txBody>
+          <a:bodyPr wrap="none" rtlCol="0">
+            <a:spAutoFit/>
+          </a:bodyPr>
+          <a:lstStyle/>
+          <a:p>
+            <a:r>
+              <a:rPr lang="en-US" altLang="zh-TW" sz="3600" dirty="0"/>
+              <a:t>(A)</a:t>
+            </a:r>
+            <a:endParaRPr lang="zh-TW" altLang="en-US" sz="3600" dirty="0"/>
+          </a:p>
+        </p:txBody>
+      </p:sp>
+      <p:sp>
+        <p:nvSpPr>
+          <p:cNvPr id="7" name="文字方塊 6">
+            <a:extLst>
+              <a:ext uri="{FF2B5EF4-FFF2-40B4-BE49-F238E27FC236}">
+                <a16:creationId xmlns:a16="http://schemas.microsoft.com/office/drawing/2014/main" id="{E7DE5167-F36A-4184-84BB-891215CF2E50}"/>
+              </a:ext>
+            </a:extLst>
+          </p:cNvPr>
+          <p:cNvSpPr txBox="1"/>
+          <p:nvPr/>
+        </p:nvSpPr>
+        <p:spPr>
+          <a:xfrm>
+            <a:off x="12619360" y="6361906"/>
+            <a:ext cx="715260" cy="646331"/>
+          </a:xfrm>
+          <a:prstGeom prst="rect">
+            <a:avLst/>
+          </a:prstGeom>
+          <a:noFill/>
+        </p:spPr>
+        <p:txBody>
+          <a:bodyPr wrap="none" rtlCol="0">
+            <a:spAutoFit/>
+          </a:bodyPr>
+          <a:lstStyle/>
+          <a:p>
+            <a:r>
+              <a:rPr lang="en-US" altLang="zh-TW" sz="3600" dirty="0"/>
+              <a:t>(B)</a:t>
+            </a:r>
+            <a:endParaRPr lang="zh-TW" altLang="en-US" sz="3600" dirty="0"/>
+          </a:p>
+        </p:txBody>
+      </p:sp>
+      <p:sp>
+        <p:nvSpPr>
+          <p:cNvPr id="8" name="文字方塊 7">
+            <a:extLst>
+              <a:ext uri="{FF2B5EF4-FFF2-40B4-BE49-F238E27FC236}">
+                <a16:creationId xmlns:a16="http://schemas.microsoft.com/office/drawing/2014/main" id="{9E41AD21-4E4B-4D40-920F-1DF2530E683F}"/>
+              </a:ext>
+            </a:extLst>
+          </p:cNvPr>
+          <p:cNvSpPr txBox="1"/>
+          <p:nvPr/>
+        </p:nvSpPr>
+        <p:spPr>
+          <a:xfrm>
+            <a:off x="7035800" y="12184743"/>
+            <a:ext cx="1469761" cy="637419"/>
+          </a:xfrm>
+          <a:prstGeom prst="rect">
+            <a:avLst/>
+          </a:prstGeom>
+          <a:noFill/>
+        </p:spPr>
+        <p:txBody>
+          <a:bodyPr wrap="none" rtlCol="0">
+            <a:spAutoFit/>
+          </a:bodyPr>
+          <a:lstStyle/>
+          <a:p>
+            <a:r>
+              <a:rPr lang="en-US" altLang="zh-TW" dirty="0">
                 <a:solidFill>
                   <a:schemeClr val="bg1"/>
                 </a:solidFill>
-              </a:endParaRPr>
-            </a:p>
-          </p:txBody>
-        </p:sp>
-        <p:sp>
-          <p:nvSpPr>
-            <p:cNvPr id="21" name="文字方塊 20">
-              <a:extLst>
-                <a:ext uri="{FF2B5EF4-FFF2-40B4-BE49-F238E27FC236}">
-                  <a16:creationId xmlns:a16="http://schemas.microsoft.com/office/drawing/2014/main" id="{AD668815-E2DF-49B7-9B6F-1B2B89B071C3}"/>
-                </a:ext>
-              </a:extLst>
-            </p:cNvPr>
-            <p:cNvSpPr txBox="1"/>
-            <p:nvPr/>
-          </p:nvSpPr>
-          <p:spPr>
-            <a:xfrm>
-              <a:off x="13223304" y="13324911"/>
-              <a:ext cx="1826141" cy="1181862"/>
-            </a:xfrm>
-            <a:prstGeom prst="rect">
-              <a:avLst/>
-            </a:prstGeom>
-            <a:noFill/>
-          </p:spPr>
-          <p:txBody>
-            <a:bodyPr wrap="none" rtlCol="0">
-              <a:spAutoFit/>
-            </a:bodyPr>
-            <a:lstStyle/>
-            <a:p>
-              <a:r>
-                <a:rPr lang="en-US" sz="3540" dirty="0" err="1">
-                  <a:solidFill>
-                    <a:schemeClr val="bg1"/>
-                  </a:solidFill>
-                </a:rPr>
-                <a:t>Gaoping</a:t>
-              </a:r>
-              <a:r>
-                <a:rPr lang="en-US" sz="3540" dirty="0">
-                  <a:solidFill>
-                    <a:schemeClr val="bg1"/>
-                  </a:solidFill>
-                </a:rPr>
-                <a:t> </a:t>
-              </a:r>
-              <a:br>
-                <a:rPr lang="en-US" sz="3540" dirty="0">
-                  <a:solidFill>
-                    <a:schemeClr val="bg1"/>
-                  </a:solidFill>
-                </a:rPr>
-              </a:br>
-              <a:r>
-                <a:rPr lang="en-US" sz="3540" dirty="0">
-                  <a:solidFill>
-                    <a:schemeClr val="bg1"/>
-                  </a:solidFill>
-                </a:rPr>
-                <a:t>Canyon</a:t>
-              </a:r>
-            </a:p>
-          </p:txBody>
-        </p:sp>
-        <p:sp>
-          <p:nvSpPr>
-            <p:cNvPr id="22" name="矩形 21">
-              <a:extLst>
-                <a:ext uri="{FF2B5EF4-FFF2-40B4-BE49-F238E27FC236}">
-                  <a16:creationId xmlns:a16="http://schemas.microsoft.com/office/drawing/2014/main" id="{E6A4D99D-D9D7-48F7-9C62-7FCB27B09272}"/>
-                </a:ext>
-              </a:extLst>
-            </p:cNvPr>
-            <p:cNvSpPr/>
-            <p:nvPr/>
-          </p:nvSpPr>
-          <p:spPr>
-            <a:xfrm>
-              <a:off x="3194478" y="17791491"/>
-              <a:ext cx="3161443" cy="637097"/>
-            </a:xfrm>
-            <a:prstGeom prst="rect">
-              <a:avLst/>
-            </a:prstGeom>
-          </p:spPr>
-          <p:txBody>
-            <a:bodyPr wrap="none">
-              <a:spAutoFit/>
-            </a:bodyPr>
-            <a:lstStyle/>
-            <a:p>
-              <a:r>
-                <a:rPr lang="en-US" sz="3540" dirty="0"/>
-                <a:t>South China Sea</a:t>
-              </a:r>
-            </a:p>
-          </p:txBody>
-        </p:sp>
-        <p:sp>
-          <p:nvSpPr>
-            <p:cNvPr id="23" name="文字方塊 22">
-              <a:extLst>
-                <a:ext uri="{FF2B5EF4-FFF2-40B4-BE49-F238E27FC236}">
-                  <a16:creationId xmlns:a16="http://schemas.microsoft.com/office/drawing/2014/main" id="{C647CD57-A009-460C-8B26-8198C322E009}"/>
-                </a:ext>
-              </a:extLst>
-            </p:cNvPr>
-            <p:cNvSpPr txBox="1"/>
-            <p:nvPr/>
-          </p:nvSpPr>
-          <p:spPr>
-            <a:xfrm>
-              <a:off x="10229891" y="15214600"/>
-              <a:ext cx="1460528" cy="1182503"/>
-            </a:xfrm>
-            <a:prstGeom prst="rect">
-              <a:avLst/>
-            </a:prstGeom>
-            <a:noFill/>
-          </p:spPr>
-          <p:txBody>
-            <a:bodyPr wrap="none" rtlCol="0">
-              <a:spAutoFit/>
-            </a:bodyPr>
-            <a:lstStyle/>
-            <a:p>
-              <a:r>
-                <a:rPr lang="en-US" dirty="0">
-                  <a:solidFill>
-                    <a:schemeClr val="bg1"/>
-                  </a:solidFill>
-                </a:rPr>
-                <a:t>Pacific </a:t>
-              </a:r>
-              <a:br>
-                <a:rPr lang="en-US" dirty="0">
-                  <a:solidFill>
-                    <a:schemeClr val="bg1"/>
-                  </a:solidFill>
-                </a:rPr>
-              </a:br>
-              <a:r>
-                <a:rPr lang="en-US" dirty="0">
-                  <a:solidFill>
-                    <a:schemeClr val="bg1"/>
-                  </a:solidFill>
-                </a:rPr>
-                <a:t>Ocean</a:t>
-              </a:r>
-            </a:p>
-          </p:txBody>
-        </p:sp>
-        <p:sp>
-          <p:nvSpPr>
-            <p:cNvPr id="24" name="文字方塊 23">
-              <a:extLst>
-                <a:ext uri="{FF2B5EF4-FFF2-40B4-BE49-F238E27FC236}">
-                  <a16:creationId xmlns:a16="http://schemas.microsoft.com/office/drawing/2014/main" id="{0F0910F1-AEF0-43CE-88F5-8FFB575AACA0}"/>
-                </a:ext>
-              </a:extLst>
-            </p:cNvPr>
-            <p:cNvSpPr txBox="1"/>
-            <p:nvPr/>
-          </p:nvSpPr>
-          <p:spPr>
-            <a:xfrm>
-              <a:off x="3799003" y="9982200"/>
-              <a:ext cx="2556918" cy="637419"/>
-            </a:xfrm>
-            <a:prstGeom prst="rect">
-              <a:avLst/>
-            </a:prstGeom>
-            <a:noFill/>
-          </p:spPr>
-          <p:txBody>
-            <a:bodyPr wrap="none" rtlCol="0">
-              <a:spAutoFit/>
-            </a:bodyPr>
-            <a:lstStyle/>
-            <a:p>
-              <a:r>
-                <a:rPr lang="en-US" dirty="0"/>
-                <a:t>Taiwan Strait</a:t>
-              </a:r>
-            </a:p>
-          </p:txBody>
-        </p:sp>
-        <p:sp>
-          <p:nvSpPr>
-            <p:cNvPr id="4" name="文字方塊 3">
-              <a:extLst>
-                <a:ext uri="{FF2B5EF4-FFF2-40B4-BE49-F238E27FC236}">
-                  <a16:creationId xmlns:a16="http://schemas.microsoft.com/office/drawing/2014/main" id="{DFB74655-0BE8-4908-A0AB-158E2D6DC33C}"/>
-                </a:ext>
-              </a:extLst>
-            </p:cNvPr>
-            <p:cNvSpPr txBox="1"/>
-            <p:nvPr/>
-          </p:nvSpPr>
-          <p:spPr>
-            <a:xfrm>
-              <a:off x="5982918" y="4521079"/>
-              <a:ext cx="2659254" cy="646331"/>
-            </a:xfrm>
-            <a:prstGeom prst="rect">
-              <a:avLst/>
-            </a:prstGeom>
-            <a:noFill/>
-          </p:spPr>
-          <p:txBody>
-            <a:bodyPr wrap="none" rtlCol="0">
-              <a:spAutoFit/>
-            </a:bodyPr>
-            <a:lstStyle/>
-            <a:p>
-              <a:r>
-                <a:rPr lang="en-US" sz="3600" dirty="0"/>
-                <a:t>Elevation (m)</a:t>
-              </a:r>
-            </a:p>
-          </p:txBody>
-        </p:sp>
-        <p:sp>
-          <p:nvSpPr>
-            <p:cNvPr id="25" name="文字方塊 24">
-              <a:extLst>
-                <a:ext uri="{FF2B5EF4-FFF2-40B4-BE49-F238E27FC236}">
-                  <a16:creationId xmlns:a16="http://schemas.microsoft.com/office/drawing/2014/main" id="{6912EB0C-6F2C-4506-B6AA-EB0EDF261B2E}"/>
-                </a:ext>
-              </a:extLst>
-            </p:cNvPr>
-            <p:cNvSpPr txBox="1"/>
-            <p:nvPr/>
-          </p:nvSpPr>
-          <p:spPr>
-            <a:xfrm>
-              <a:off x="15914318" y="4521079"/>
-              <a:ext cx="2659254" cy="646331"/>
-            </a:xfrm>
-            <a:prstGeom prst="rect">
-              <a:avLst/>
-            </a:prstGeom>
-            <a:noFill/>
-          </p:spPr>
-          <p:txBody>
-            <a:bodyPr wrap="none" rtlCol="0">
-              <a:spAutoFit/>
-            </a:bodyPr>
-            <a:lstStyle/>
-            <a:p>
-              <a:r>
-                <a:rPr lang="en-US" sz="3600" dirty="0"/>
-                <a:t>Elevation (m)</a:t>
-              </a:r>
-            </a:p>
-          </p:txBody>
-        </p:sp>
-      </p:grpSp>
+              </a:rPr>
+              <a:t>Taiwan</a:t>
+            </a:r>
+            <a:endParaRPr lang="en-US" dirty="0">
+              <a:solidFill>
+                <a:schemeClr val="bg1"/>
+              </a:solidFill>
+            </a:endParaRPr>
+          </a:p>
+        </p:txBody>
+      </p:sp>
+      <p:sp>
+        <p:nvSpPr>
+          <p:cNvPr id="9" name="文字方塊 8">
+            <a:extLst>
+              <a:ext uri="{FF2B5EF4-FFF2-40B4-BE49-F238E27FC236}">
+                <a16:creationId xmlns:a16="http://schemas.microsoft.com/office/drawing/2014/main" id="{AEBCC1A2-9F1E-4239-9B70-210AC507E162}"/>
+              </a:ext>
+            </a:extLst>
+          </p:cNvPr>
+          <p:cNvSpPr txBox="1"/>
+          <p:nvPr/>
+        </p:nvSpPr>
+        <p:spPr>
+          <a:xfrm>
+            <a:off x="14010704" y="12816911"/>
+            <a:ext cx="1826141" cy="1181862"/>
+          </a:xfrm>
+          <a:prstGeom prst="rect">
+            <a:avLst/>
+          </a:prstGeom>
+          <a:noFill/>
+        </p:spPr>
+        <p:txBody>
+          <a:bodyPr wrap="none" rtlCol="0">
+            <a:spAutoFit/>
+          </a:bodyPr>
+          <a:lstStyle/>
+          <a:p>
+            <a:r>
+              <a:rPr lang="en-US" sz="3540" dirty="0" err="1">
+                <a:solidFill>
+                  <a:schemeClr val="bg1"/>
+                </a:solidFill>
+              </a:rPr>
+              <a:t>Gaoping</a:t>
+            </a:r>
+            <a:r>
+              <a:rPr lang="en-US" sz="3540" dirty="0">
+                <a:solidFill>
+                  <a:schemeClr val="bg1"/>
+                </a:solidFill>
+              </a:rPr>
+              <a:t> </a:t>
+            </a:r>
+            <a:br>
+              <a:rPr lang="en-US" sz="3540" dirty="0">
+                <a:solidFill>
+                  <a:schemeClr val="bg1"/>
+                </a:solidFill>
+              </a:rPr>
+            </a:br>
+            <a:r>
+              <a:rPr lang="en-US" sz="3540" dirty="0">
+                <a:solidFill>
+                  <a:schemeClr val="bg1"/>
+                </a:solidFill>
+              </a:rPr>
+              <a:t>Canyon</a:t>
+            </a:r>
+          </a:p>
+        </p:txBody>
+      </p:sp>
+      <p:sp>
+        <p:nvSpPr>
+          <p:cNvPr id="10" name="矩形 9">
+            <a:extLst>
+              <a:ext uri="{FF2B5EF4-FFF2-40B4-BE49-F238E27FC236}">
+                <a16:creationId xmlns:a16="http://schemas.microsoft.com/office/drawing/2014/main" id="{6A6A9A6A-CEBB-480D-808C-DCC6E99A6D70}"/>
+              </a:ext>
+            </a:extLst>
+          </p:cNvPr>
+          <p:cNvSpPr/>
+          <p:nvPr/>
+        </p:nvSpPr>
+        <p:spPr>
+          <a:xfrm>
+            <a:off x="2686478" y="17258091"/>
+            <a:ext cx="3161443" cy="637097"/>
+          </a:xfrm>
+          <a:prstGeom prst="rect">
+            <a:avLst/>
+          </a:prstGeom>
+        </p:spPr>
+        <p:txBody>
+          <a:bodyPr wrap="none">
+            <a:spAutoFit/>
+          </a:bodyPr>
+          <a:lstStyle/>
+          <a:p>
+            <a:r>
+              <a:rPr lang="en-US" sz="3540" dirty="0"/>
+              <a:t>South China Sea</a:t>
+            </a:r>
+          </a:p>
+        </p:txBody>
+      </p:sp>
+      <p:sp>
+        <p:nvSpPr>
+          <p:cNvPr id="11" name="文字方塊 10">
+            <a:extLst>
+              <a:ext uri="{FF2B5EF4-FFF2-40B4-BE49-F238E27FC236}">
+                <a16:creationId xmlns:a16="http://schemas.microsoft.com/office/drawing/2014/main" id="{A43855E4-5EC1-420E-95D2-A0086FEBB271}"/>
+              </a:ext>
+            </a:extLst>
+          </p:cNvPr>
+          <p:cNvSpPr txBox="1"/>
+          <p:nvPr/>
+        </p:nvSpPr>
+        <p:spPr>
+          <a:xfrm>
+            <a:off x="10661691" y="15570200"/>
+            <a:ext cx="1460528" cy="1182503"/>
+          </a:xfrm>
+          <a:prstGeom prst="rect">
+            <a:avLst/>
+          </a:prstGeom>
+          <a:noFill/>
+        </p:spPr>
+        <p:txBody>
+          <a:bodyPr wrap="none" rtlCol="0">
+            <a:spAutoFit/>
+          </a:bodyPr>
+          <a:lstStyle/>
+          <a:p>
+            <a:r>
+              <a:rPr lang="en-US" dirty="0">
+                <a:solidFill>
+                  <a:schemeClr val="bg1"/>
+                </a:solidFill>
+              </a:rPr>
+              <a:t>Pacific </a:t>
+            </a:r>
+            <a:br>
+              <a:rPr lang="en-US" dirty="0">
+                <a:solidFill>
+                  <a:schemeClr val="bg1"/>
+                </a:solidFill>
+              </a:rPr>
+            </a:br>
+            <a:r>
+              <a:rPr lang="en-US" dirty="0">
+                <a:solidFill>
+                  <a:schemeClr val="bg1"/>
+                </a:solidFill>
+              </a:rPr>
+              <a:t>Ocean</a:t>
+            </a:r>
+          </a:p>
+        </p:txBody>
+      </p:sp>
+      <p:sp>
+        <p:nvSpPr>
+          <p:cNvPr id="12" name="文字方塊 11">
+            <a:extLst>
+              <a:ext uri="{FF2B5EF4-FFF2-40B4-BE49-F238E27FC236}">
+                <a16:creationId xmlns:a16="http://schemas.microsoft.com/office/drawing/2014/main" id="{85A2BD5F-E522-4C81-BCF3-C4BA62E5502E}"/>
+              </a:ext>
+            </a:extLst>
+          </p:cNvPr>
+          <p:cNvSpPr txBox="1"/>
+          <p:nvPr/>
+        </p:nvSpPr>
+        <p:spPr>
+          <a:xfrm>
+            <a:off x="3494203" y="9093200"/>
+            <a:ext cx="2556918" cy="637419"/>
+          </a:xfrm>
+          <a:prstGeom prst="rect">
+            <a:avLst/>
+          </a:prstGeom>
+          <a:noFill/>
+        </p:spPr>
+        <p:txBody>
+          <a:bodyPr wrap="none" rtlCol="0">
+            <a:spAutoFit/>
+          </a:bodyPr>
+          <a:lstStyle/>
+          <a:p>
+            <a:r>
+              <a:rPr lang="en-US" dirty="0"/>
+              <a:t>Taiwan Strait</a:t>
+            </a:r>
+          </a:p>
+        </p:txBody>
+      </p:sp>
+      <p:sp>
+        <p:nvSpPr>
+          <p:cNvPr id="13" name="文字方塊 12">
+            <a:extLst>
+              <a:ext uri="{FF2B5EF4-FFF2-40B4-BE49-F238E27FC236}">
+                <a16:creationId xmlns:a16="http://schemas.microsoft.com/office/drawing/2014/main" id="{91B146B9-4EA5-48B2-A2CA-3341A966EB3A}"/>
+              </a:ext>
+            </a:extLst>
+          </p:cNvPr>
+          <p:cNvSpPr txBox="1"/>
+          <p:nvPr/>
+        </p:nvSpPr>
+        <p:spPr>
+          <a:xfrm>
+            <a:off x="5211306" y="3962279"/>
+            <a:ext cx="2659254" cy="646331"/>
+          </a:xfrm>
+          <a:prstGeom prst="rect">
+            <a:avLst/>
+          </a:prstGeom>
+          <a:noFill/>
+        </p:spPr>
+        <p:txBody>
+          <a:bodyPr wrap="none" rtlCol="0">
+            <a:spAutoFit/>
+          </a:bodyPr>
+          <a:lstStyle/>
+          <a:p>
+            <a:r>
+              <a:rPr lang="en-US" sz="3600" dirty="0"/>
+              <a:t>Elevation (m)</a:t>
+            </a:r>
+          </a:p>
+        </p:txBody>
+      </p:sp>
+      <p:sp>
+        <p:nvSpPr>
+          <p:cNvPr id="14" name="文字方塊 13">
+            <a:extLst>
+              <a:ext uri="{FF2B5EF4-FFF2-40B4-BE49-F238E27FC236}">
+                <a16:creationId xmlns:a16="http://schemas.microsoft.com/office/drawing/2014/main" id="{BD97F837-292D-48AB-B34D-6E477610503C}"/>
+              </a:ext>
+            </a:extLst>
+          </p:cNvPr>
+          <p:cNvSpPr txBox="1"/>
+          <p:nvPr/>
+        </p:nvSpPr>
+        <p:spPr>
+          <a:xfrm>
+            <a:off x="16498518" y="3962279"/>
+            <a:ext cx="2659254" cy="646331"/>
+          </a:xfrm>
+          <a:prstGeom prst="rect">
+            <a:avLst/>
+          </a:prstGeom>
+          <a:noFill/>
+        </p:spPr>
+        <p:txBody>
+          <a:bodyPr wrap="none" rtlCol="0">
+            <a:spAutoFit/>
+          </a:bodyPr>
+          <a:lstStyle/>
+          <a:p>
+            <a:r>
+              <a:rPr lang="en-US" sz="3600" dirty="0"/>
+              <a:t>Elevation (m)</a:t>
+            </a:r>
+          </a:p>
+        </p:txBody>
+      </p:sp>
     </p:spTree>
     <p:extLst>
       <p:ext uri="{BB962C8B-B14F-4D97-AF65-F5344CB8AC3E}">
-        <p14:creationId xmlns:p14="http://schemas.microsoft.com/office/powerpoint/2010/main" val="1953388270"/>
+        <p14:creationId xmlns:p14="http://schemas.microsoft.com/office/powerpoint/2010/main" val="3092491015"/>
       </p:ext>
     </p:extLst>
   </p:cSld>
   <p:clrMapOvr>
     <a:masterClrMapping/>
   </p:clrMapOvr>
-  <mc:AlternateContent xmlns:mc="http://schemas.openxmlformats.org/markup-compatibility/2006" xmlns:p14="http://schemas.microsoft.com/office/powerpoint/2010/main">
-    <mc:Choice Requires="p14">
-      <p:transition spd="slow" p14:dur="2000">
-        <p:cut/>
-      </p:transition>
-    </mc:Choice>
-    <mc:Fallback xmlns="">
-      <p:transition spd="slow">
-        <p:cut/>
-      </p:transition>
-    </mc:Fallback>
-  </mc:AlternateContent>
 </p:sld>
 </file>
 
@@ -4633,7 +4680,7 @@
           <p:cNvPr id="3" name="圖片 2">
             <a:extLst>
               <a:ext uri="{FF2B5EF4-FFF2-40B4-BE49-F238E27FC236}">
-                <a16:creationId xmlns:a16="http://schemas.microsoft.com/office/drawing/2014/main" id="{871464D1-5AB6-40F4-9B94-8E249E81CA98}"/>
+                <a16:creationId xmlns:a16="http://schemas.microsoft.com/office/drawing/2014/main" id="{C43AFE41-BAD6-429C-BBD4-F852BBF94C2E}"/>
               </a:ext>
             </a:extLst>
           </p:cNvPr>
@@ -4661,25 +4708,13 @@
     </p:spTree>
     <p:extLst>
       <p:ext uri="{BB962C8B-B14F-4D97-AF65-F5344CB8AC3E}">
-        <p14:creationId xmlns:p14="http://schemas.microsoft.com/office/powerpoint/2010/main" val="3799340079"/>
+        <p14:creationId xmlns:p14="http://schemas.microsoft.com/office/powerpoint/2010/main" val="4203231284"/>
       </p:ext>
     </p:extLst>
   </p:cSld>
   <p:clrMapOvr>
     <a:masterClrMapping/>
   </p:clrMapOvr>
-  <mc:AlternateContent xmlns:mc="http://schemas.openxmlformats.org/markup-compatibility/2006" xmlns:p14="http://schemas.microsoft.com/office/powerpoint/2010/main">
-    <mc:Choice Requires="p14">
-      <p:transition spd="slow" p14:dur="2000">
-        <p:cut/>
-      </p:transition>
-    </mc:Choice>
-    <mc:Fallback xmlns="">
-      <p:transition spd="slow">
-        <p:cut/>
-      </p:transition>
-    </mc:Fallback>
-  </mc:AlternateContent>
 </p:sld>
 </file>
 
@@ -4702,10 +4737,10 @@
       </p:grpSpPr>
       <p:pic>
         <p:nvPicPr>
-          <p:cNvPr id="5" name="圖片 4">
+          <p:cNvPr id="2" name="圖片 1">
             <a:extLst>
               <a:ext uri="{FF2B5EF4-FFF2-40B4-BE49-F238E27FC236}">
-                <a16:creationId xmlns:a16="http://schemas.microsoft.com/office/drawing/2014/main" id="{9274D397-6EE5-48BB-9605-5F1098A34EAA}"/>
+                <a16:creationId xmlns:a16="http://schemas.microsoft.com/office/drawing/2014/main" id="{4BDF3031-203B-40A7-8688-447C6A76B974}"/>
               </a:ext>
             </a:extLst>
           </p:cNvPr>
@@ -4762,32 +4797,49 @@
       </p:grpSpPr>
       <p:pic>
         <p:nvPicPr>
-          <p:cNvPr id="3" name="圖片 2">
+          <p:cNvPr id="1026" name="Picture 2">
             <a:extLst>
               <a:ext uri="{FF2B5EF4-FFF2-40B4-BE49-F238E27FC236}">
-                <a16:creationId xmlns:a16="http://schemas.microsoft.com/office/drawing/2014/main" id="{FE29FA38-290E-489A-8C14-FE2B1F6C071D}"/>
+                <a16:creationId xmlns:a16="http://schemas.microsoft.com/office/drawing/2014/main" id="{DF634294-5C98-4475-AB94-9F1D02FC8646}"/>
               </a:ext>
             </a:extLst>
           </p:cNvPr>
           <p:cNvPicPr>
-            <a:picLocks noChangeAspect="1"/>
+            <a:picLocks noChangeAspect="1" noChangeArrowheads="1"/>
           </p:cNvPicPr>
           <p:nvPr/>
         </p:nvPicPr>
         <p:blipFill>
-          <a:blip r:embed="rId3"/>
+          <a:blip r:embed="rId3">
+            <a:extLst>
+              <a:ext uri="{28A0092B-C50C-407E-A947-70E740481C1C}">
+                <a14:useLocalDpi xmlns:a14="http://schemas.microsoft.com/office/drawing/2010/main" val="0"/>
+              </a:ext>
+            </a:extLst>
+          </a:blip>
+          <a:srcRect/>
           <a:stretch>
             <a:fillRect/>
           </a:stretch>
         </p:blipFill>
-        <p:spPr>
+        <p:spPr bwMode="auto">
           <a:xfrm>
-            <a:off x="0" y="3396343"/>
-            <a:ext cx="23774400" cy="16981714"/>
+            <a:off x="0" y="3395663"/>
+            <a:ext cx="23774400" cy="16981487"/>
           </a:xfrm>
           <a:prstGeom prst="rect">
             <a:avLst/>
           </a:prstGeom>
+          <a:noFill/>
+          <a:extLst>
+            <a:ext uri="{909E8E84-426E-40DD-AFC4-6F175D3DCCD1}">
+              <a14:hiddenFill xmlns:a14="http://schemas.microsoft.com/office/drawing/2010/main">
+                <a:solidFill>
+                  <a:srgbClr val="FFFFFF"/>
+                </a:solidFill>
+              </a14:hiddenFill>
+            </a:ext>
+          </a:extLst>
         </p:spPr>
       </p:pic>
     </p:spTree>
@@ -4822,32 +4874,49 @@
       </p:grpSpPr>
       <p:pic>
         <p:nvPicPr>
-          <p:cNvPr id="3" name="圖片 2">
+          <p:cNvPr id="2050" name="Picture 2">
             <a:extLst>
               <a:ext uri="{FF2B5EF4-FFF2-40B4-BE49-F238E27FC236}">
-                <a16:creationId xmlns:a16="http://schemas.microsoft.com/office/drawing/2014/main" id="{0DF9E622-1388-4195-8D01-91B9C98CDF39}"/>
+                <a16:creationId xmlns:a16="http://schemas.microsoft.com/office/drawing/2014/main" id="{99633195-3ACC-46ED-9373-CE44607090D8}"/>
               </a:ext>
             </a:extLst>
           </p:cNvPr>
           <p:cNvPicPr>
-            <a:picLocks noChangeAspect="1"/>
+            <a:picLocks noChangeAspect="1" noChangeArrowheads="1"/>
           </p:cNvPicPr>
           <p:nvPr/>
         </p:nvPicPr>
         <p:blipFill>
-          <a:blip r:embed="rId3"/>
+          <a:blip r:embed="rId3">
+            <a:extLst>
+              <a:ext uri="{28A0092B-C50C-407E-A947-70E740481C1C}">
+                <a14:useLocalDpi xmlns:a14="http://schemas.microsoft.com/office/drawing/2010/main" val="0"/>
+              </a:ext>
+            </a:extLst>
+          </a:blip>
+          <a:srcRect/>
           <a:stretch>
             <a:fillRect/>
           </a:stretch>
         </p:blipFill>
-        <p:spPr>
+        <p:spPr bwMode="auto">
           <a:xfrm>
-            <a:off x="0" y="3396343"/>
-            <a:ext cx="23774400" cy="16981714"/>
+            <a:off x="0" y="3395663"/>
+            <a:ext cx="23774400" cy="16981487"/>
           </a:xfrm>
           <a:prstGeom prst="rect">
             <a:avLst/>
           </a:prstGeom>
+          <a:noFill/>
+          <a:extLst>
+            <a:ext uri="{909E8E84-426E-40DD-AFC4-6F175D3DCCD1}">
+              <a14:hiddenFill xmlns:a14="http://schemas.microsoft.com/office/drawing/2010/main">
+                <a:solidFill>
+                  <a:srgbClr val="FFFFFF"/>
+                </a:solidFill>
+              </a14:hiddenFill>
+            </a:ext>
+          </a:extLst>
         </p:spPr>
       </p:pic>
     </p:spTree>
@@ -4894,10 +4963,10 @@
       </p:grpSpPr>
       <p:pic>
         <p:nvPicPr>
-          <p:cNvPr id="6" name="圖片 5">
+          <p:cNvPr id="2" name="圖片 1">
             <a:extLst>
               <a:ext uri="{FF2B5EF4-FFF2-40B4-BE49-F238E27FC236}">
-                <a16:creationId xmlns:a16="http://schemas.microsoft.com/office/drawing/2014/main" id="{DC850B54-CA5A-4B0D-B03A-26AE38094231}"/>
+                <a16:creationId xmlns:a16="http://schemas.microsoft.com/office/drawing/2014/main" id="{9DADAA6C-D959-47AD-BDBF-97A834FAB7F5}"/>
               </a:ext>
             </a:extLst>
           </p:cNvPr>
@@ -4914,7 +4983,7 @@
         </p:blipFill>
         <p:spPr>
           <a:xfrm>
-            <a:off x="0" y="4000500"/>
+            <a:off x="0" y="4457700"/>
             <a:ext cx="23774400" cy="14859000"/>
           </a:xfrm>
           <a:prstGeom prst="rect">
@@ -4969,7 +5038,67 @@
           <p:cNvPr id="2" name="圖片 1">
             <a:extLst>
               <a:ext uri="{FF2B5EF4-FFF2-40B4-BE49-F238E27FC236}">
-                <a16:creationId xmlns:a16="http://schemas.microsoft.com/office/drawing/2014/main" id="{C4BC58B2-5AAE-4A5D-B9F7-A5FC70CB1BB1}"/>
+                <a16:creationId xmlns:a16="http://schemas.microsoft.com/office/drawing/2014/main" id="{C8EB61E3-CFFD-4FCB-B5CE-EF268C064411}"/>
+              </a:ext>
+            </a:extLst>
+          </p:cNvPr>
+          <p:cNvPicPr>
+            <a:picLocks noChangeAspect="1"/>
+          </p:cNvPicPr>
+          <p:nvPr/>
+        </p:nvPicPr>
+        <p:blipFill>
+          <a:blip r:embed="rId3"/>
+          <a:stretch>
+            <a:fillRect/>
+          </a:stretch>
+        </p:blipFill>
+        <p:spPr>
+          <a:xfrm>
+            <a:off x="2743200" y="4572000"/>
+            <a:ext cx="18288000" cy="14630400"/>
+          </a:xfrm>
+          <a:prstGeom prst="rect">
+            <a:avLst/>
+          </a:prstGeom>
+        </p:spPr>
+      </p:pic>
+    </p:spTree>
+    <p:extLst>
+      <p:ext uri="{BB962C8B-B14F-4D97-AF65-F5344CB8AC3E}">
+        <p14:creationId xmlns:p14="http://schemas.microsoft.com/office/powerpoint/2010/main" val="2788968895"/>
+      </p:ext>
+    </p:extLst>
+  </p:cSld>
+  <p:clrMapOvr>
+    <a:masterClrMapping/>
+  </p:clrMapOvr>
+</p:sld>
+</file>
+
+<file path=ppt/slides/slide8.xml><?xml version="1.0" encoding="utf-8"?>
+<p:sld xmlns:a="http://schemas.openxmlformats.org/drawingml/2006/main" xmlns:r="http://schemas.openxmlformats.org/officeDocument/2006/relationships" xmlns:p="http://schemas.openxmlformats.org/presentationml/2006/main">
+  <p:cSld>
+    <p:spTree>
+      <p:nvGrpSpPr>
+        <p:cNvPr id="1" name=""/>
+        <p:cNvGrpSpPr/>
+        <p:nvPr/>
+      </p:nvGrpSpPr>
+      <p:grpSpPr>
+        <a:xfrm>
+          <a:off x="0" y="0"/>
+          <a:ext cx="0" cy="0"/>
+          <a:chOff x="0" y="0"/>
+          <a:chExt cx="0" cy="0"/>
+        </a:xfrm>
+      </p:grpSpPr>
+      <p:pic>
+        <p:nvPicPr>
+          <p:cNvPr id="3" name="圖片 2">
+            <a:extLst>
+              <a:ext uri="{FF2B5EF4-FFF2-40B4-BE49-F238E27FC236}">
+                <a16:creationId xmlns:a16="http://schemas.microsoft.com/office/drawing/2014/main" id="{989FEC6B-BB95-4DDE-9959-76C1C0FA2C5F}"/>
               </a:ext>
             </a:extLst>
           </p:cNvPr>

--- a/ppt/Fig.pptx
+++ b/ppt/Fig.pptx
@@ -5,7 +5,7 @@
     <p:sldMasterId id="2147483672" r:id="rId1"/>
   </p:sldMasterIdLst>
   <p:notesMasterIdLst>
-    <p:notesMasterId r:id="rId10"/>
+    <p:notesMasterId r:id="rId12"/>
   </p:notesMasterIdLst>
   <p:sldIdLst>
     <p:sldId id="269" r:id="rId2"/>
@@ -15,7 +15,9 @@
     <p:sldId id="266" r:id="rId6"/>
     <p:sldId id="260" r:id="rId7"/>
     <p:sldId id="271" r:id="rId8"/>
-    <p:sldId id="263" r:id="rId9"/>
+    <p:sldId id="272" r:id="rId9"/>
+    <p:sldId id="263" r:id="rId10"/>
+    <p:sldId id="273" r:id="rId11"/>
   </p:sldIdLst>
   <p:sldSz cx="23774400" cy="23774400"/>
   <p:notesSz cx="6858000" cy="9144000"/>
@@ -204,7 +206,7 @@
           <a:p>
             <a:fld id="{1A913C71-EFAB-43D1-B854-1FA321EB4913}" type="datetimeFigureOut">
               <a:rPr lang="zh-TW" altLang="en-US" smtClean="0"/>
-              <a:t>2023/3/1</a:t>
+              <a:t>2023/3/4</a:t>
             </a:fld>
             <a:endParaRPr lang="zh-TW" altLang="en-US"/>
           </a:p>
@@ -1366,7 +1368,7 @@
           <a:p>
             <a:fld id="{ED43E6AA-0423-44CA-AE38-FBA3039C901F}" type="slidenum">
               <a:rPr lang="zh-TW" altLang="en-US" smtClean="0"/>
-              <a:t>8</a:t>
+              <a:t>9</a:t>
             </a:fld>
             <a:endParaRPr lang="zh-TW" altLang="en-US"/>
           </a:p>
@@ -1516,7 +1518,7 @@
           <a:p>
             <a:fld id="{38C88D40-311B-4DC9-B5DC-A97249C6D501}" type="datetimeFigureOut">
               <a:rPr lang="zh-TW" altLang="en-US" smtClean="0"/>
-              <a:t>2023/3/1</a:t>
+              <a:t>2023/3/4</a:t>
             </a:fld>
             <a:endParaRPr lang="zh-TW" altLang="en-US"/>
           </a:p>
@@ -1686,7 +1688,7 @@
           <a:p>
             <a:fld id="{38C88D40-311B-4DC9-B5DC-A97249C6D501}" type="datetimeFigureOut">
               <a:rPr lang="zh-TW" altLang="en-US" smtClean="0"/>
-              <a:t>2023/3/1</a:t>
+              <a:t>2023/3/4</a:t>
             </a:fld>
             <a:endParaRPr lang="zh-TW" altLang="en-US"/>
           </a:p>
@@ -1866,7 +1868,7 @@
           <a:p>
             <a:fld id="{38C88D40-311B-4DC9-B5DC-A97249C6D501}" type="datetimeFigureOut">
               <a:rPr lang="zh-TW" altLang="en-US" smtClean="0"/>
-              <a:t>2023/3/1</a:t>
+              <a:t>2023/3/4</a:t>
             </a:fld>
             <a:endParaRPr lang="zh-TW" altLang="en-US"/>
           </a:p>
@@ -2036,7 +2038,7 @@
           <a:p>
             <a:fld id="{38C88D40-311B-4DC9-B5DC-A97249C6D501}" type="datetimeFigureOut">
               <a:rPr lang="zh-TW" altLang="en-US" smtClean="0"/>
-              <a:t>2023/3/1</a:t>
+              <a:t>2023/3/4</a:t>
             </a:fld>
             <a:endParaRPr lang="zh-TW" altLang="en-US"/>
           </a:p>
@@ -2280,7 +2282,7 @@
           <a:p>
             <a:fld id="{38C88D40-311B-4DC9-B5DC-A97249C6D501}" type="datetimeFigureOut">
               <a:rPr lang="zh-TW" altLang="en-US" smtClean="0"/>
-              <a:t>2023/3/1</a:t>
+              <a:t>2023/3/4</a:t>
             </a:fld>
             <a:endParaRPr lang="zh-TW" altLang="en-US"/>
           </a:p>
@@ -2512,7 +2514,7 @@
           <a:p>
             <a:fld id="{38C88D40-311B-4DC9-B5DC-A97249C6D501}" type="datetimeFigureOut">
               <a:rPr lang="zh-TW" altLang="en-US" smtClean="0"/>
-              <a:t>2023/3/1</a:t>
+              <a:t>2023/3/4</a:t>
             </a:fld>
             <a:endParaRPr lang="zh-TW" altLang="en-US"/>
           </a:p>
@@ -2879,7 +2881,7 @@
           <a:p>
             <a:fld id="{38C88D40-311B-4DC9-B5DC-A97249C6D501}" type="datetimeFigureOut">
               <a:rPr lang="zh-TW" altLang="en-US" smtClean="0"/>
-              <a:t>2023/3/1</a:t>
+              <a:t>2023/3/4</a:t>
             </a:fld>
             <a:endParaRPr lang="zh-TW" altLang="en-US"/>
           </a:p>
@@ -2997,7 +2999,7 @@
           <a:p>
             <a:fld id="{38C88D40-311B-4DC9-B5DC-A97249C6D501}" type="datetimeFigureOut">
               <a:rPr lang="zh-TW" altLang="en-US" smtClean="0"/>
-              <a:t>2023/3/1</a:t>
+              <a:t>2023/3/4</a:t>
             </a:fld>
             <a:endParaRPr lang="zh-TW" altLang="en-US"/>
           </a:p>
@@ -3092,7 +3094,7 @@
           <a:p>
             <a:fld id="{38C88D40-311B-4DC9-B5DC-A97249C6D501}" type="datetimeFigureOut">
               <a:rPr lang="zh-TW" altLang="en-US" smtClean="0"/>
-              <a:t>2023/3/1</a:t>
+              <a:t>2023/3/4</a:t>
             </a:fld>
             <a:endParaRPr lang="zh-TW" altLang="en-US"/>
           </a:p>
@@ -3369,7 +3371,7 @@
           <a:p>
             <a:fld id="{38C88D40-311B-4DC9-B5DC-A97249C6D501}" type="datetimeFigureOut">
               <a:rPr lang="zh-TW" altLang="en-US" smtClean="0"/>
-              <a:t>2023/3/1</a:t>
+              <a:t>2023/3/4</a:t>
             </a:fld>
             <a:endParaRPr lang="zh-TW" altLang="en-US"/>
           </a:p>
@@ -3626,7 +3628,7 @@
           <a:p>
             <a:fld id="{38C88D40-311B-4DC9-B5DC-A97249C6D501}" type="datetimeFigureOut">
               <a:rPr lang="zh-TW" altLang="en-US" smtClean="0"/>
-              <a:t>2023/3/1</a:t>
+              <a:t>2023/3/4</a:t>
             </a:fld>
             <a:endParaRPr lang="zh-TW" altLang="en-US"/>
           </a:p>
@@ -3839,7 +3841,7 @@
           <a:p>
             <a:fld id="{38C88D40-311B-4DC9-B5DC-A97249C6D501}" type="datetimeFigureOut">
               <a:rPr lang="zh-TW" altLang="en-US" smtClean="0"/>
-              <a:t>2023/3/1</a:t>
+              <a:t>2023/3/4</a:t>
             </a:fld>
             <a:endParaRPr lang="zh-TW" altLang="en-US"/>
           </a:p>
@@ -4244,12 +4246,464 @@
           <a:chExt cx="0" cy="0"/>
         </a:xfrm>
       </p:grpSpPr>
+      <p:grpSp>
+        <p:nvGrpSpPr>
+          <p:cNvPr id="2" name="群組 1">
+            <a:extLst>
+              <a:ext uri="{FF2B5EF4-FFF2-40B4-BE49-F238E27FC236}">
+                <a16:creationId xmlns:a16="http://schemas.microsoft.com/office/drawing/2014/main" id="{593456E2-6B1F-4EA3-ABD5-7ACEE1DD47A8}"/>
+              </a:ext>
+            </a:extLst>
+          </p:cNvPr>
+          <p:cNvGrpSpPr/>
+          <p:nvPr/>
+        </p:nvGrpSpPr>
+        <p:grpSpPr>
+          <a:xfrm>
+            <a:off x="914400" y="3962279"/>
+            <a:ext cx="21945600" cy="15240121"/>
+            <a:chOff x="914400" y="3962279"/>
+            <a:chExt cx="21945600" cy="15240121"/>
+          </a:xfrm>
+        </p:grpSpPr>
+        <p:pic>
+          <p:nvPicPr>
+            <p:cNvPr id="5" name="圖片 4">
+              <a:extLst>
+                <a:ext uri="{FF2B5EF4-FFF2-40B4-BE49-F238E27FC236}">
+                  <a16:creationId xmlns:a16="http://schemas.microsoft.com/office/drawing/2014/main" id="{80677C58-564B-4480-9CB2-FBDB03ECEAAB}"/>
+                </a:ext>
+              </a:extLst>
+            </p:cNvPr>
+            <p:cNvPicPr>
+              <a:picLocks noChangeAspect="1"/>
+            </p:cNvPicPr>
+            <p:nvPr/>
+          </p:nvPicPr>
+          <p:blipFill>
+            <a:blip r:embed="rId3"/>
+            <a:stretch>
+              <a:fillRect/>
+            </a:stretch>
+          </p:blipFill>
+          <p:spPr>
+            <a:xfrm>
+              <a:off x="914400" y="4572000"/>
+              <a:ext cx="21945600" cy="14630400"/>
+            </a:xfrm>
+            <a:prstGeom prst="rect">
+              <a:avLst/>
+            </a:prstGeom>
+          </p:spPr>
+        </p:pic>
+        <p:sp>
+          <p:nvSpPr>
+            <p:cNvPr id="6" name="文字方塊 5">
+              <a:extLst>
+                <a:ext uri="{FF2B5EF4-FFF2-40B4-BE49-F238E27FC236}">
+                  <a16:creationId xmlns:a16="http://schemas.microsoft.com/office/drawing/2014/main" id="{571B0AE8-E39B-4DEF-860E-6467C99B2A13}"/>
+                </a:ext>
+              </a:extLst>
+            </p:cNvPr>
+            <p:cNvSpPr txBox="1"/>
+            <p:nvPr/>
+          </p:nvSpPr>
+          <p:spPr>
+            <a:xfrm>
+              <a:off x="2565400" y="6361906"/>
+              <a:ext cx="731290" cy="646331"/>
+            </a:xfrm>
+            <a:prstGeom prst="rect">
+              <a:avLst/>
+            </a:prstGeom>
+            <a:noFill/>
+          </p:spPr>
+          <p:txBody>
+            <a:bodyPr wrap="none" rtlCol="0">
+              <a:spAutoFit/>
+            </a:bodyPr>
+            <a:lstStyle/>
+            <a:p>
+              <a:r>
+                <a:rPr lang="en-US" altLang="zh-TW" sz="3600" dirty="0"/>
+                <a:t>(A)</a:t>
+              </a:r>
+              <a:endParaRPr lang="zh-TW" altLang="en-US" sz="3600" dirty="0"/>
+            </a:p>
+          </p:txBody>
+        </p:sp>
+        <p:sp>
+          <p:nvSpPr>
+            <p:cNvPr id="7" name="文字方塊 6">
+              <a:extLst>
+                <a:ext uri="{FF2B5EF4-FFF2-40B4-BE49-F238E27FC236}">
+                  <a16:creationId xmlns:a16="http://schemas.microsoft.com/office/drawing/2014/main" id="{E7DE5167-F36A-4184-84BB-891215CF2E50}"/>
+                </a:ext>
+              </a:extLst>
+            </p:cNvPr>
+            <p:cNvSpPr txBox="1"/>
+            <p:nvPr/>
+          </p:nvSpPr>
+          <p:spPr>
+            <a:xfrm>
+              <a:off x="12619360" y="6361906"/>
+              <a:ext cx="715260" cy="646331"/>
+            </a:xfrm>
+            <a:prstGeom prst="rect">
+              <a:avLst/>
+            </a:prstGeom>
+            <a:noFill/>
+          </p:spPr>
+          <p:txBody>
+            <a:bodyPr wrap="none" rtlCol="0">
+              <a:spAutoFit/>
+            </a:bodyPr>
+            <a:lstStyle/>
+            <a:p>
+              <a:r>
+                <a:rPr lang="en-US" altLang="zh-TW" sz="3600" dirty="0"/>
+                <a:t>(B)</a:t>
+              </a:r>
+              <a:endParaRPr lang="zh-TW" altLang="en-US" sz="3600" dirty="0"/>
+            </a:p>
+          </p:txBody>
+        </p:sp>
+        <p:sp>
+          <p:nvSpPr>
+            <p:cNvPr id="8" name="文字方塊 7">
+              <a:extLst>
+                <a:ext uri="{FF2B5EF4-FFF2-40B4-BE49-F238E27FC236}">
+                  <a16:creationId xmlns:a16="http://schemas.microsoft.com/office/drawing/2014/main" id="{9E41AD21-4E4B-4D40-920F-1DF2530E683F}"/>
+                </a:ext>
+              </a:extLst>
+            </p:cNvPr>
+            <p:cNvSpPr txBox="1"/>
+            <p:nvPr/>
+          </p:nvSpPr>
+          <p:spPr>
+            <a:xfrm>
+              <a:off x="7035800" y="12184743"/>
+              <a:ext cx="1469761" cy="637419"/>
+            </a:xfrm>
+            <a:prstGeom prst="rect">
+              <a:avLst/>
+            </a:prstGeom>
+            <a:noFill/>
+          </p:spPr>
+          <p:txBody>
+            <a:bodyPr wrap="none" rtlCol="0">
+              <a:spAutoFit/>
+            </a:bodyPr>
+            <a:lstStyle/>
+            <a:p>
+              <a:r>
+                <a:rPr lang="en-US" altLang="zh-TW" dirty="0">
+                  <a:solidFill>
+                    <a:schemeClr val="bg1"/>
+                  </a:solidFill>
+                </a:rPr>
+                <a:t>Taiwan</a:t>
+              </a:r>
+              <a:endParaRPr lang="en-US" dirty="0">
+                <a:solidFill>
+                  <a:schemeClr val="bg1"/>
+                </a:solidFill>
+              </a:endParaRPr>
+            </a:p>
+          </p:txBody>
+        </p:sp>
+        <p:sp>
+          <p:nvSpPr>
+            <p:cNvPr id="9" name="文字方塊 8">
+              <a:extLst>
+                <a:ext uri="{FF2B5EF4-FFF2-40B4-BE49-F238E27FC236}">
+                  <a16:creationId xmlns:a16="http://schemas.microsoft.com/office/drawing/2014/main" id="{AEBCC1A2-9F1E-4239-9B70-210AC507E162}"/>
+                </a:ext>
+              </a:extLst>
+            </p:cNvPr>
+            <p:cNvSpPr txBox="1"/>
+            <p:nvPr/>
+          </p:nvSpPr>
+          <p:spPr>
+            <a:xfrm>
+              <a:off x="14010704" y="12816911"/>
+              <a:ext cx="1826141" cy="1181862"/>
+            </a:xfrm>
+            <a:prstGeom prst="rect">
+              <a:avLst/>
+            </a:prstGeom>
+            <a:noFill/>
+          </p:spPr>
+          <p:txBody>
+            <a:bodyPr wrap="none" rtlCol="0">
+              <a:spAutoFit/>
+            </a:bodyPr>
+            <a:lstStyle/>
+            <a:p>
+              <a:r>
+                <a:rPr lang="en-US" sz="3540" dirty="0" err="1">
+                  <a:solidFill>
+                    <a:schemeClr val="bg1"/>
+                  </a:solidFill>
+                </a:rPr>
+                <a:t>Gaoping</a:t>
+              </a:r>
+              <a:r>
+                <a:rPr lang="en-US" sz="3540" dirty="0">
+                  <a:solidFill>
+                    <a:schemeClr val="bg1"/>
+                  </a:solidFill>
+                </a:rPr>
+                <a:t> </a:t>
+              </a:r>
+              <a:br>
+                <a:rPr lang="en-US" sz="3540" dirty="0">
+                  <a:solidFill>
+                    <a:schemeClr val="bg1"/>
+                  </a:solidFill>
+                </a:rPr>
+              </a:br>
+              <a:r>
+                <a:rPr lang="en-US" sz="3540" dirty="0">
+                  <a:solidFill>
+                    <a:schemeClr val="bg1"/>
+                  </a:solidFill>
+                </a:rPr>
+                <a:t>Canyon</a:t>
+              </a:r>
+            </a:p>
+          </p:txBody>
+        </p:sp>
+        <p:sp>
+          <p:nvSpPr>
+            <p:cNvPr id="10" name="矩形 9">
+              <a:extLst>
+                <a:ext uri="{FF2B5EF4-FFF2-40B4-BE49-F238E27FC236}">
+                  <a16:creationId xmlns:a16="http://schemas.microsoft.com/office/drawing/2014/main" id="{6A6A9A6A-CEBB-480D-808C-DCC6E99A6D70}"/>
+                </a:ext>
+              </a:extLst>
+            </p:cNvPr>
+            <p:cNvSpPr/>
+            <p:nvPr/>
+          </p:nvSpPr>
+          <p:spPr>
+            <a:xfrm>
+              <a:off x="2686478" y="17258091"/>
+              <a:ext cx="3161443" cy="637097"/>
+            </a:xfrm>
+            <a:prstGeom prst="rect">
+              <a:avLst/>
+            </a:prstGeom>
+          </p:spPr>
+          <p:txBody>
+            <a:bodyPr wrap="none">
+              <a:spAutoFit/>
+            </a:bodyPr>
+            <a:lstStyle/>
+            <a:p>
+              <a:r>
+                <a:rPr lang="en-US" sz="3540" dirty="0"/>
+                <a:t>South China Sea</a:t>
+              </a:r>
+            </a:p>
+          </p:txBody>
+        </p:sp>
+        <p:sp>
+          <p:nvSpPr>
+            <p:cNvPr id="11" name="文字方塊 10">
+              <a:extLst>
+                <a:ext uri="{FF2B5EF4-FFF2-40B4-BE49-F238E27FC236}">
+                  <a16:creationId xmlns:a16="http://schemas.microsoft.com/office/drawing/2014/main" id="{A43855E4-5EC1-420E-95D2-A0086FEBB271}"/>
+                </a:ext>
+              </a:extLst>
+            </p:cNvPr>
+            <p:cNvSpPr txBox="1"/>
+            <p:nvPr/>
+          </p:nvSpPr>
+          <p:spPr>
+            <a:xfrm>
+              <a:off x="10661691" y="15570200"/>
+              <a:ext cx="1460528" cy="1182503"/>
+            </a:xfrm>
+            <a:prstGeom prst="rect">
+              <a:avLst/>
+            </a:prstGeom>
+            <a:noFill/>
+          </p:spPr>
+          <p:txBody>
+            <a:bodyPr wrap="none" rtlCol="0">
+              <a:spAutoFit/>
+            </a:bodyPr>
+            <a:lstStyle/>
+            <a:p>
+              <a:r>
+                <a:rPr lang="en-US" dirty="0">
+                  <a:solidFill>
+                    <a:schemeClr val="bg1"/>
+                  </a:solidFill>
+                </a:rPr>
+                <a:t>Pacific </a:t>
+              </a:r>
+              <a:br>
+                <a:rPr lang="en-US" dirty="0">
+                  <a:solidFill>
+                    <a:schemeClr val="bg1"/>
+                  </a:solidFill>
+                </a:rPr>
+              </a:br>
+              <a:r>
+                <a:rPr lang="en-US" dirty="0">
+                  <a:solidFill>
+                    <a:schemeClr val="bg1"/>
+                  </a:solidFill>
+                </a:rPr>
+                <a:t>Ocean</a:t>
+              </a:r>
+            </a:p>
+          </p:txBody>
+        </p:sp>
+        <p:sp>
+          <p:nvSpPr>
+            <p:cNvPr id="12" name="文字方塊 11">
+              <a:extLst>
+                <a:ext uri="{FF2B5EF4-FFF2-40B4-BE49-F238E27FC236}">
+                  <a16:creationId xmlns:a16="http://schemas.microsoft.com/office/drawing/2014/main" id="{85A2BD5F-E522-4C81-BCF3-C4BA62E5502E}"/>
+                </a:ext>
+              </a:extLst>
+            </p:cNvPr>
+            <p:cNvSpPr txBox="1"/>
+            <p:nvPr/>
+          </p:nvSpPr>
+          <p:spPr>
+            <a:xfrm>
+              <a:off x="3494203" y="9093200"/>
+              <a:ext cx="2556918" cy="637419"/>
+            </a:xfrm>
+            <a:prstGeom prst="rect">
+              <a:avLst/>
+            </a:prstGeom>
+            <a:noFill/>
+          </p:spPr>
+          <p:txBody>
+            <a:bodyPr wrap="none" rtlCol="0">
+              <a:spAutoFit/>
+            </a:bodyPr>
+            <a:lstStyle/>
+            <a:p>
+              <a:r>
+                <a:rPr lang="en-US" dirty="0"/>
+                <a:t>Taiwan Strait</a:t>
+              </a:r>
+            </a:p>
+          </p:txBody>
+        </p:sp>
+        <p:sp>
+          <p:nvSpPr>
+            <p:cNvPr id="13" name="文字方塊 12">
+              <a:extLst>
+                <a:ext uri="{FF2B5EF4-FFF2-40B4-BE49-F238E27FC236}">
+                  <a16:creationId xmlns:a16="http://schemas.microsoft.com/office/drawing/2014/main" id="{91B146B9-4EA5-48B2-A2CA-3341A966EB3A}"/>
+                </a:ext>
+              </a:extLst>
+            </p:cNvPr>
+            <p:cNvSpPr txBox="1"/>
+            <p:nvPr/>
+          </p:nvSpPr>
+          <p:spPr>
+            <a:xfrm>
+              <a:off x="5211306" y="3962279"/>
+              <a:ext cx="2659254" cy="646331"/>
+            </a:xfrm>
+            <a:prstGeom prst="rect">
+              <a:avLst/>
+            </a:prstGeom>
+            <a:noFill/>
+          </p:spPr>
+          <p:txBody>
+            <a:bodyPr wrap="none" rtlCol="0">
+              <a:spAutoFit/>
+            </a:bodyPr>
+            <a:lstStyle/>
+            <a:p>
+              <a:r>
+                <a:rPr lang="en-US" sz="3600" dirty="0"/>
+                <a:t>Elevation (m)</a:t>
+              </a:r>
+            </a:p>
+          </p:txBody>
+        </p:sp>
+        <p:sp>
+          <p:nvSpPr>
+            <p:cNvPr id="14" name="文字方塊 13">
+              <a:extLst>
+                <a:ext uri="{FF2B5EF4-FFF2-40B4-BE49-F238E27FC236}">
+                  <a16:creationId xmlns:a16="http://schemas.microsoft.com/office/drawing/2014/main" id="{BD97F837-292D-48AB-B34D-6E477610503C}"/>
+                </a:ext>
+              </a:extLst>
+            </p:cNvPr>
+            <p:cNvSpPr txBox="1"/>
+            <p:nvPr/>
+          </p:nvSpPr>
+          <p:spPr>
+            <a:xfrm>
+              <a:off x="16498518" y="3962279"/>
+              <a:ext cx="2659254" cy="646331"/>
+            </a:xfrm>
+            <a:prstGeom prst="rect">
+              <a:avLst/>
+            </a:prstGeom>
+            <a:noFill/>
+          </p:spPr>
+          <p:txBody>
+            <a:bodyPr wrap="none" rtlCol="0">
+              <a:spAutoFit/>
+            </a:bodyPr>
+            <a:lstStyle/>
+            <a:p>
+              <a:r>
+                <a:rPr lang="en-US" sz="3600" dirty="0"/>
+                <a:t>Elevation (m)</a:t>
+              </a:r>
+            </a:p>
+          </p:txBody>
+        </p:sp>
+      </p:grpSp>
+    </p:spTree>
+    <p:extLst>
+      <p:ext uri="{BB962C8B-B14F-4D97-AF65-F5344CB8AC3E}">
+        <p14:creationId xmlns:p14="http://schemas.microsoft.com/office/powerpoint/2010/main" val="3092491015"/>
+      </p:ext>
+    </p:extLst>
+  </p:cSld>
+  <p:clrMapOvr>
+    <a:masterClrMapping/>
+  </p:clrMapOvr>
+</p:sld>
+</file>
+
+<file path=ppt/slides/slide10.xml><?xml version="1.0" encoding="utf-8"?>
+<p:sld xmlns:a="http://schemas.openxmlformats.org/drawingml/2006/main" xmlns:r="http://schemas.openxmlformats.org/officeDocument/2006/relationships" xmlns:p="http://schemas.openxmlformats.org/presentationml/2006/main">
+  <p:cSld>
+    <p:spTree>
+      <p:nvGrpSpPr>
+        <p:cNvPr id="1" name=""/>
+        <p:cNvGrpSpPr/>
+        <p:nvPr/>
+      </p:nvGrpSpPr>
+      <p:grpSpPr>
+        <a:xfrm>
+          <a:off x="0" y="0"/>
+          <a:ext cx="0" cy="0"/>
+          <a:chOff x="0" y="0"/>
+          <a:chExt cx="0" cy="0"/>
+        </a:xfrm>
+      </p:grpSpPr>
       <p:pic>
         <p:nvPicPr>
-          <p:cNvPr id="5" name="圖片 4">
+          <p:cNvPr id="2" name="圖片 1">
             <a:extLst>
               <a:ext uri="{FF2B5EF4-FFF2-40B4-BE49-F238E27FC236}">
-                <a16:creationId xmlns:a16="http://schemas.microsoft.com/office/drawing/2014/main" id="{80677C58-564B-4480-9CB2-FBDB03ECEAAB}"/>
+                <a16:creationId xmlns:a16="http://schemas.microsoft.com/office/drawing/2014/main" id="{B9A7109D-2853-48ED-8FA3-B1530412F81B}"/>
               </a:ext>
             </a:extLst>
           </p:cNvPr>
@@ -4259,396 +4713,25 @@
           <p:nvPr/>
         </p:nvPicPr>
         <p:blipFill>
-          <a:blip r:embed="rId3"/>
+          <a:blip r:embed="rId2"/>
           <a:stretch>
             <a:fillRect/>
           </a:stretch>
         </p:blipFill>
         <p:spPr>
           <a:xfrm>
-            <a:off x="914400" y="4572000"/>
-            <a:ext cx="21945600" cy="14630400"/>
+            <a:off x="0" y="3396343"/>
+            <a:ext cx="23774400" cy="16981714"/>
           </a:xfrm>
           <a:prstGeom prst="rect">
             <a:avLst/>
           </a:prstGeom>
         </p:spPr>
       </p:pic>
-      <p:sp>
-        <p:nvSpPr>
-          <p:cNvPr id="6" name="文字方塊 5">
-            <a:extLst>
-              <a:ext uri="{FF2B5EF4-FFF2-40B4-BE49-F238E27FC236}">
-                <a16:creationId xmlns:a16="http://schemas.microsoft.com/office/drawing/2014/main" id="{571B0AE8-E39B-4DEF-860E-6467C99B2A13}"/>
-              </a:ext>
-            </a:extLst>
-          </p:cNvPr>
-          <p:cNvSpPr txBox="1"/>
-          <p:nvPr/>
-        </p:nvSpPr>
-        <p:spPr>
-          <a:xfrm>
-            <a:off x="2565400" y="6361906"/>
-            <a:ext cx="731290" cy="646331"/>
-          </a:xfrm>
-          <a:prstGeom prst="rect">
-            <a:avLst/>
-          </a:prstGeom>
-          <a:noFill/>
-        </p:spPr>
-        <p:txBody>
-          <a:bodyPr wrap="none" rtlCol="0">
-            <a:spAutoFit/>
-          </a:bodyPr>
-          <a:lstStyle/>
-          <a:p>
-            <a:r>
-              <a:rPr lang="en-US" altLang="zh-TW" sz="3600" dirty="0"/>
-              <a:t>(A)</a:t>
-            </a:r>
-            <a:endParaRPr lang="zh-TW" altLang="en-US" sz="3600" dirty="0"/>
-          </a:p>
-        </p:txBody>
-      </p:sp>
-      <p:sp>
-        <p:nvSpPr>
-          <p:cNvPr id="7" name="文字方塊 6">
-            <a:extLst>
-              <a:ext uri="{FF2B5EF4-FFF2-40B4-BE49-F238E27FC236}">
-                <a16:creationId xmlns:a16="http://schemas.microsoft.com/office/drawing/2014/main" id="{E7DE5167-F36A-4184-84BB-891215CF2E50}"/>
-              </a:ext>
-            </a:extLst>
-          </p:cNvPr>
-          <p:cNvSpPr txBox="1"/>
-          <p:nvPr/>
-        </p:nvSpPr>
-        <p:spPr>
-          <a:xfrm>
-            <a:off x="12619360" y="6361906"/>
-            <a:ext cx="715260" cy="646331"/>
-          </a:xfrm>
-          <a:prstGeom prst="rect">
-            <a:avLst/>
-          </a:prstGeom>
-          <a:noFill/>
-        </p:spPr>
-        <p:txBody>
-          <a:bodyPr wrap="none" rtlCol="0">
-            <a:spAutoFit/>
-          </a:bodyPr>
-          <a:lstStyle/>
-          <a:p>
-            <a:r>
-              <a:rPr lang="en-US" altLang="zh-TW" sz="3600" dirty="0"/>
-              <a:t>(B)</a:t>
-            </a:r>
-            <a:endParaRPr lang="zh-TW" altLang="en-US" sz="3600" dirty="0"/>
-          </a:p>
-        </p:txBody>
-      </p:sp>
-      <p:sp>
-        <p:nvSpPr>
-          <p:cNvPr id="8" name="文字方塊 7">
-            <a:extLst>
-              <a:ext uri="{FF2B5EF4-FFF2-40B4-BE49-F238E27FC236}">
-                <a16:creationId xmlns:a16="http://schemas.microsoft.com/office/drawing/2014/main" id="{9E41AD21-4E4B-4D40-920F-1DF2530E683F}"/>
-              </a:ext>
-            </a:extLst>
-          </p:cNvPr>
-          <p:cNvSpPr txBox="1"/>
-          <p:nvPr/>
-        </p:nvSpPr>
-        <p:spPr>
-          <a:xfrm>
-            <a:off x="7035800" y="12184743"/>
-            <a:ext cx="1469761" cy="637419"/>
-          </a:xfrm>
-          <a:prstGeom prst="rect">
-            <a:avLst/>
-          </a:prstGeom>
-          <a:noFill/>
-        </p:spPr>
-        <p:txBody>
-          <a:bodyPr wrap="none" rtlCol="0">
-            <a:spAutoFit/>
-          </a:bodyPr>
-          <a:lstStyle/>
-          <a:p>
-            <a:r>
-              <a:rPr lang="en-US" altLang="zh-TW" dirty="0">
-                <a:solidFill>
-                  <a:schemeClr val="bg1"/>
-                </a:solidFill>
-              </a:rPr>
-              <a:t>Taiwan</a:t>
-            </a:r>
-            <a:endParaRPr lang="en-US" dirty="0">
-              <a:solidFill>
-                <a:schemeClr val="bg1"/>
-              </a:solidFill>
-            </a:endParaRPr>
-          </a:p>
-        </p:txBody>
-      </p:sp>
-      <p:sp>
-        <p:nvSpPr>
-          <p:cNvPr id="9" name="文字方塊 8">
-            <a:extLst>
-              <a:ext uri="{FF2B5EF4-FFF2-40B4-BE49-F238E27FC236}">
-                <a16:creationId xmlns:a16="http://schemas.microsoft.com/office/drawing/2014/main" id="{AEBCC1A2-9F1E-4239-9B70-210AC507E162}"/>
-              </a:ext>
-            </a:extLst>
-          </p:cNvPr>
-          <p:cNvSpPr txBox="1"/>
-          <p:nvPr/>
-        </p:nvSpPr>
-        <p:spPr>
-          <a:xfrm>
-            <a:off x="14010704" y="12816911"/>
-            <a:ext cx="1826141" cy="1181862"/>
-          </a:xfrm>
-          <a:prstGeom prst="rect">
-            <a:avLst/>
-          </a:prstGeom>
-          <a:noFill/>
-        </p:spPr>
-        <p:txBody>
-          <a:bodyPr wrap="none" rtlCol="0">
-            <a:spAutoFit/>
-          </a:bodyPr>
-          <a:lstStyle/>
-          <a:p>
-            <a:r>
-              <a:rPr lang="en-US" sz="3540" dirty="0" err="1">
-                <a:solidFill>
-                  <a:schemeClr val="bg1"/>
-                </a:solidFill>
-              </a:rPr>
-              <a:t>Gaoping</a:t>
-            </a:r>
-            <a:r>
-              <a:rPr lang="en-US" sz="3540" dirty="0">
-                <a:solidFill>
-                  <a:schemeClr val="bg1"/>
-                </a:solidFill>
-              </a:rPr>
-              <a:t> </a:t>
-            </a:r>
-            <a:br>
-              <a:rPr lang="en-US" sz="3540" dirty="0">
-                <a:solidFill>
-                  <a:schemeClr val="bg1"/>
-                </a:solidFill>
-              </a:rPr>
-            </a:br>
-            <a:r>
-              <a:rPr lang="en-US" sz="3540" dirty="0">
-                <a:solidFill>
-                  <a:schemeClr val="bg1"/>
-                </a:solidFill>
-              </a:rPr>
-              <a:t>Canyon</a:t>
-            </a:r>
-          </a:p>
-        </p:txBody>
-      </p:sp>
-      <p:sp>
-        <p:nvSpPr>
-          <p:cNvPr id="10" name="矩形 9">
-            <a:extLst>
-              <a:ext uri="{FF2B5EF4-FFF2-40B4-BE49-F238E27FC236}">
-                <a16:creationId xmlns:a16="http://schemas.microsoft.com/office/drawing/2014/main" id="{6A6A9A6A-CEBB-480D-808C-DCC6E99A6D70}"/>
-              </a:ext>
-            </a:extLst>
-          </p:cNvPr>
-          <p:cNvSpPr/>
-          <p:nvPr/>
-        </p:nvSpPr>
-        <p:spPr>
-          <a:xfrm>
-            <a:off x="2686478" y="17258091"/>
-            <a:ext cx="3161443" cy="637097"/>
-          </a:xfrm>
-          <a:prstGeom prst="rect">
-            <a:avLst/>
-          </a:prstGeom>
-        </p:spPr>
-        <p:txBody>
-          <a:bodyPr wrap="none">
-            <a:spAutoFit/>
-          </a:bodyPr>
-          <a:lstStyle/>
-          <a:p>
-            <a:r>
-              <a:rPr lang="en-US" sz="3540" dirty="0"/>
-              <a:t>South China Sea</a:t>
-            </a:r>
-          </a:p>
-        </p:txBody>
-      </p:sp>
-      <p:sp>
-        <p:nvSpPr>
-          <p:cNvPr id="11" name="文字方塊 10">
-            <a:extLst>
-              <a:ext uri="{FF2B5EF4-FFF2-40B4-BE49-F238E27FC236}">
-                <a16:creationId xmlns:a16="http://schemas.microsoft.com/office/drawing/2014/main" id="{A43855E4-5EC1-420E-95D2-A0086FEBB271}"/>
-              </a:ext>
-            </a:extLst>
-          </p:cNvPr>
-          <p:cNvSpPr txBox="1"/>
-          <p:nvPr/>
-        </p:nvSpPr>
-        <p:spPr>
-          <a:xfrm>
-            <a:off x="10661691" y="15570200"/>
-            <a:ext cx="1460528" cy="1182503"/>
-          </a:xfrm>
-          <a:prstGeom prst="rect">
-            <a:avLst/>
-          </a:prstGeom>
-          <a:noFill/>
-        </p:spPr>
-        <p:txBody>
-          <a:bodyPr wrap="none" rtlCol="0">
-            <a:spAutoFit/>
-          </a:bodyPr>
-          <a:lstStyle/>
-          <a:p>
-            <a:r>
-              <a:rPr lang="en-US" dirty="0">
-                <a:solidFill>
-                  <a:schemeClr val="bg1"/>
-                </a:solidFill>
-              </a:rPr>
-              <a:t>Pacific </a:t>
-            </a:r>
-            <a:br>
-              <a:rPr lang="en-US" dirty="0">
-                <a:solidFill>
-                  <a:schemeClr val="bg1"/>
-                </a:solidFill>
-              </a:rPr>
-            </a:br>
-            <a:r>
-              <a:rPr lang="en-US" dirty="0">
-                <a:solidFill>
-                  <a:schemeClr val="bg1"/>
-                </a:solidFill>
-              </a:rPr>
-              <a:t>Ocean</a:t>
-            </a:r>
-          </a:p>
-        </p:txBody>
-      </p:sp>
-      <p:sp>
-        <p:nvSpPr>
-          <p:cNvPr id="12" name="文字方塊 11">
-            <a:extLst>
-              <a:ext uri="{FF2B5EF4-FFF2-40B4-BE49-F238E27FC236}">
-                <a16:creationId xmlns:a16="http://schemas.microsoft.com/office/drawing/2014/main" id="{85A2BD5F-E522-4C81-BCF3-C4BA62E5502E}"/>
-              </a:ext>
-            </a:extLst>
-          </p:cNvPr>
-          <p:cNvSpPr txBox="1"/>
-          <p:nvPr/>
-        </p:nvSpPr>
-        <p:spPr>
-          <a:xfrm>
-            <a:off x="3494203" y="9093200"/>
-            <a:ext cx="2556918" cy="637419"/>
-          </a:xfrm>
-          <a:prstGeom prst="rect">
-            <a:avLst/>
-          </a:prstGeom>
-          <a:noFill/>
-        </p:spPr>
-        <p:txBody>
-          <a:bodyPr wrap="none" rtlCol="0">
-            <a:spAutoFit/>
-          </a:bodyPr>
-          <a:lstStyle/>
-          <a:p>
-            <a:r>
-              <a:rPr lang="en-US" dirty="0"/>
-              <a:t>Taiwan Strait</a:t>
-            </a:r>
-          </a:p>
-        </p:txBody>
-      </p:sp>
-      <p:sp>
-        <p:nvSpPr>
-          <p:cNvPr id="13" name="文字方塊 12">
-            <a:extLst>
-              <a:ext uri="{FF2B5EF4-FFF2-40B4-BE49-F238E27FC236}">
-                <a16:creationId xmlns:a16="http://schemas.microsoft.com/office/drawing/2014/main" id="{91B146B9-4EA5-48B2-A2CA-3341A966EB3A}"/>
-              </a:ext>
-            </a:extLst>
-          </p:cNvPr>
-          <p:cNvSpPr txBox="1"/>
-          <p:nvPr/>
-        </p:nvSpPr>
-        <p:spPr>
-          <a:xfrm>
-            <a:off x="5211306" y="3962279"/>
-            <a:ext cx="2659254" cy="646331"/>
-          </a:xfrm>
-          <a:prstGeom prst="rect">
-            <a:avLst/>
-          </a:prstGeom>
-          <a:noFill/>
-        </p:spPr>
-        <p:txBody>
-          <a:bodyPr wrap="none" rtlCol="0">
-            <a:spAutoFit/>
-          </a:bodyPr>
-          <a:lstStyle/>
-          <a:p>
-            <a:r>
-              <a:rPr lang="en-US" sz="3600" dirty="0"/>
-              <a:t>Elevation (m)</a:t>
-            </a:r>
-          </a:p>
-        </p:txBody>
-      </p:sp>
-      <p:sp>
-        <p:nvSpPr>
-          <p:cNvPr id="14" name="文字方塊 13">
-            <a:extLst>
-              <a:ext uri="{FF2B5EF4-FFF2-40B4-BE49-F238E27FC236}">
-                <a16:creationId xmlns:a16="http://schemas.microsoft.com/office/drawing/2014/main" id="{BD97F837-292D-48AB-B34D-6E477610503C}"/>
-              </a:ext>
-            </a:extLst>
-          </p:cNvPr>
-          <p:cNvSpPr txBox="1"/>
-          <p:nvPr/>
-        </p:nvSpPr>
-        <p:spPr>
-          <a:xfrm>
-            <a:off x="16498518" y="3962279"/>
-            <a:ext cx="2659254" cy="646331"/>
-          </a:xfrm>
-          <a:prstGeom prst="rect">
-            <a:avLst/>
-          </a:prstGeom>
-          <a:noFill/>
-        </p:spPr>
-        <p:txBody>
-          <a:bodyPr wrap="none" rtlCol="0">
-            <a:spAutoFit/>
-          </a:bodyPr>
-          <a:lstStyle/>
-          <a:p>
-            <a:r>
-              <a:rPr lang="en-US" sz="3600" dirty="0"/>
-              <a:t>Elevation (m)</a:t>
-            </a:r>
-          </a:p>
-        </p:txBody>
-      </p:sp>
     </p:spTree>
     <p:extLst>
       <p:ext uri="{BB962C8B-B14F-4D97-AF65-F5344CB8AC3E}">
-        <p14:creationId xmlns:p14="http://schemas.microsoft.com/office/powerpoint/2010/main" val="3092491015"/>
+        <p14:creationId xmlns:p14="http://schemas.microsoft.com/office/powerpoint/2010/main" val="3286013067"/>
       </p:ext>
     </p:extLst>
   </p:cSld>
@@ -5077,6 +5160,66 @@
 </file>
 
 <file path=ppt/slides/slide8.xml><?xml version="1.0" encoding="utf-8"?>
+<p:sld xmlns:a="http://schemas.openxmlformats.org/drawingml/2006/main" xmlns:r="http://schemas.openxmlformats.org/officeDocument/2006/relationships" xmlns:p="http://schemas.openxmlformats.org/presentationml/2006/main">
+  <p:cSld>
+    <p:spTree>
+      <p:nvGrpSpPr>
+        <p:cNvPr id="1" name=""/>
+        <p:cNvGrpSpPr/>
+        <p:nvPr/>
+      </p:nvGrpSpPr>
+      <p:grpSpPr>
+        <a:xfrm>
+          <a:off x="0" y="0"/>
+          <a:ext cx="0" cy="0"/>
+          <a:chOff x="0" y="0"/>
+          <a:chExt cx="0" cy="0"/>
+        </a:xfrm>
+      </p:grpSpPr>
+      <p:pic>
+        <p:nvPicPr>
+          <p:cNvPr id="2" name="圖片 1">
+            <a:extLst>
+              <a:ext uri="{FF2B5EF4-FFF2-40B4-BE49-F238E27FC236}">
+                <a16:creationId xmlns:a16="http://schemas.microsoft.com/office/drawing/2014/main" id="{EEDCABBA-CB23-4689-B5C9-2AD073A13C49}"/>
+              </a:ext>
+            </a:extLst>
+          </p:cNvPr>
+          <p:cNvPicPr>
+            <a:picLocks noChangeAspect="1"/>
+          </p:cNvPicPr>
+          <p:nvPr/>
+        </p:nvPicPr>
+        <p:blipFill>
+          <a:blip r:embed="rId2"/>
+          <a:stretch>
+            <a:fillRect/>
+          </a:stretch>
+        </p:blipFill>
+        <p:spPr>
+          <a:xfrm>
+            <a:off x="0" y="2971800"/>
+            <a:ext cx="23774400" cy="17830800"/>
+          </a:xfrm>
+          <a:prstGeom prst="rect">
+            <a:avLst/>
+          </a:prstGeom>
+        </p:spPr>
+      </p:pic>
+    </p:spTree>
+    <p:extLst>
+      <p:ext uri="{BB962C8B-B14F-4D97-AF65-F5344CB8AC3E}">
+        <p14:creationId xmlns:p14="http://schemas.microsoft.com/office/powerpoint/2010/main" val="3099148371"/>
+      </p:ext>
+    </p:extLst>
+  </p:cSld>
+  <p:clrMapOvr>
+    <a:masterClrMapping/>
+  </p:clrMapOvr>
+</p:sld>
+</file>
+
+<file path=ppt/slides/slide9.xml><?xml version="1.0" encoding="utf-8"?>
 <p:sld xmlns:a="http://schemas.openxmlformats.org/drawingml/2006/main" xmlns:r="http://schemas.openxmlformats.org/officeDocument/2006/relationships" xmlns:p="http://schemas.openxmlformats.org/presentationml/2006/main">
   <p:cSld>
     <p:spTree>

--- a/ppt/Fig.pptx
+++ b/ppt/Fig.pptx
@@ -206,7 +206,7 @@
           <a:p>
             <a:fld id="{1A913C71-EFAB-43D1-B854-1FA321EB4913}" type="datetimeFigureOut">
               <a:rPr lang="zh-TW" altLang="en-US" smtClean="0"/>
-              <a:t>2023/3/4</a:t>
+              <a:t>2023/3/8</a:t>
             </a:fld>
             <a:endParaRPr lang="zh-TW" altLang="en-US"/>
           </a:p>
@@ -1518,7 +1518,7 @@
           <a:p>
             <a:fld id="{38C88D40-311B-4DC9-B5DC-A97249C6D501}" type="datetimeFigureOut">
               <a:rPr lang="zh-TW" altLang="en-US" smtClean="0"/>
-              <a:t>2023/3/4</a:t>
+              <a:t>2023/3/8</a:t>
             </a:fld>
             <a:endParaRPr lang="zh-TW" altLang="en-US"/>
           </a:p>
@@ -1688,7 +1688,7 @@
           <a:p>
             <a:fld id="{38C88D40-311B-4DC9-B5DC-A97249C6D501}" type="datetimeFigureOut">
               <a:rPr lang="zh-TW" altLang="en-US" smtClean="0"/>
-              <a:t>2023/3/4</a:t>
+              <a:t>2023/3/8</a:t>
             </a:fld>
             <a:endParaRPr lang="zh-TW" altLang="en-US"/>
           </a:p>
@@ -1868,7 +1868,7 @@
           <a:p>
             <a:fld id="{38C88D40-311B-4DC9-B5DC-A97249C6D501}" type="datetimeFigureOut">
               <a:rPr lang="zh-TW" altLang="en-US" smtClean="0"/>
-              <a:t>2023/3/4</a:t>
+              <a:t>2023/3/8</a:t>
             </a:fld>
             <a:endParaRPr lang="zh-TW" altLang="en-US"/>
           </a:p>
@@ -2038,7 +2038,7 @@
           <a:p>
             <a:fld id="{38C88D40-311B-4DC9-B5DC-A97249C6D501}" type="datetimeFigureOut">
               <a:rPr lang="zh-TW" altLang="en-US" smtClean="0"/>
-              <a:t>2023/3/4</a:t>
+              <a:t>2023/3/8</a:t>
             </a:fld>
             <a:endParaRPr lang="zh-TW" altLang="en-US"/>
           </a:p>
@@ -2282,7 +2282,7 @@
           <a:p>
             <a:fld id="{38C88D40-311B-4DC9-B5DC-A97249C6D501}" type="datetimeFigureOut">
               <a:rPr lang="zh-TW" altLang="en-US" smtClean="0"/>
-              <a:t>2023/3/4</a:t>
+              <a:t>2023/3/8</a:t>
             </a:fld>
             <a:endParaRPr lang="zh-TW" altLang="en-US"/>
           </a:p>
@@ -2514,7 +2514,7 @@
           <a:p>
             <a:fld id="{38C88D40-311B-4DC9-B5DC-A97249C6D501}" type="datetimeFigureOut">
               <a:rPr lang="zh-TW" altLang="en-US" smtClean="0"/>
-              <a:t>2023/3/4</a:t>
+              <a:t>2023/3/8</a:t>
             </a:fld>
             <a:endParaRPr lang="zh-TW" altLang="en-US"/>
           </a:p>
@@ -2881,7 +2881,7 @@
           <a:p>
             <a:fld id="{38C88D40-311B-4DC9-B5DC-A97249C6D501}" type="datetimeFigureOut">
               <a:rPr lang="zh-TW" altLang="en-US" smtClean="0"/>
-              <a:t>2023/3/4</a:t>
+              <a:t>2023/3/8</a:t>
             </a:fld>
             <a:endParaRPr lang="zh-TW" altLang="en-US"/>
           </a:p>
@@ -2999,7 +2999,7 @@
           <a:p>
             <a:fld id="{38C88D40-311B-4DC9-B5DC-A97249C6D501}" type="datetimeFigureOut">
               <a:rPr lang="zh-TW" altLang="en-US" smtClean="0"/>
-              <a:t>2023/3/4</a:t>
+              <a:t>2023/3/8</a:t>
             </a:fld>
             <a:endParaRPr lang="zh-TW" altLang="en-US"/>
           </a:p>
@@ -3094,7 +3094,7 @@
           <a:p>
             <a:fld id="{38C88D40-311B-4DC9-B5DC-A97249C6D501}" type="datetimeFigureOut">
               <a:rPr lang="zh-TW" altLang="en-US" smtClean="0"/>
-              <a:t>2023/3/4</a:t>
+              <a:t>2023/3/8</a:t>
             </a:fld>
             <a:endParaRPr lang="zh-TW" altLang="en-US"/>
           </a:p>
@@ -3371,7 +3371,7 @@
           <a:p>
             <a:fld id="{38C88D40-311B-4DC9-B5DC-A97249C6D501}" type="datetimeFigureOut">
               <a:rPr lang="zh-TW" altLang="en-US" smtClean="0"/>
-              <a:t>2023/3/4</a:t>
+              <a:t>2023/3/8</a:t>
             </a:fld>
             <a:endParaRPr lang="zh-TW" altLang="en-US"/>
           </a:p>
@@ -3628,7 +3628,7 @@
           <a:p>
             <a:fld id="{38C88D40-311B-4DC9-B5DC-A97249C6D501}" type="datetimeFigureOut">
               <a:rPr lang="zh-TW" altLang="en-US" smtClean="0"/>
-              <a:t>2023/3/4</a:t>
+              <a:t>2023/3/8</a:t>
             </a:fld>
             <a:endParaRPr lang="zh-TW" altLang="en-US"/>
           </a:p>
@@ -3841,7 +3841,7 @@
           <a:p>
             <a:fld id="{38C88D40-311B-4DC9-B5DC-A97249C6D501}" type="datetimeFigureOut">
               <a:rPr lang="zh-TW" altLang="en-US" smtClean="0"/>
-              <a:t>2023/3/4</a:t>
+              <a:t>2023/3/8</a:t>
             </a:fld>
             <a:endParaRPr lang="zh-TW" altLang="en-US"/>
           </a:p>
@@ -4248,10 +4248,10 @@
       </p:grpSpPr>
       <p:grpSp>
         <p:nvGrpSpPr>
-          <p:cNvPr id="2" name="群組 1">
+          <p:cNvPr id="3" name="群組 2">
             <a:extLst>
               <a:ext uri="{FF2B5EF4-FFF2-40B4-BE49-F238E27FC236}">
-                <a16:creationId xmlns:a16="http://schemas.microsoft.com/office/drawing/2014/main" id="{593456E2-6B1F-4EA3-ABD5-7ACEE1DD47A8}"/>
+                <a16:creationId xmlns:a16="http://schemas.microsoft.com/office/drawing/2014/main" id="{CFD90340-0ED4-47EA-BC4E-2137C98C6691}"/>
               </a:ext>
             </a:extLst>
           </p:cNvPr>
@@ -4260,9 +4260,9 @@
         </p:nvGrpSpPr>
         <p:grpSpPr>
           <a:xfrm>
-            <a:off x="914400" y="3962279"/>
+            <a:off x="914400" y="4267139"/>
             <a:ext cx="21945600" cy="15240121"/>
-            <a:chOff x="914400" y="3962279"/>
+            <a:chOff x="914400" y="4267139"/>
             <a:chExt cx="21945600" cy="15240121"/>
           </a:xfrm>
         </p:grpSpPr>
@@ -4288,7 +4288,7 @@
           </p:blipFill>
           <p:spPr>
             <a:xfrm>
-              <a:off x="914400" y="4572000"/>
+              <a:off x="914400" y="4876860"/>
               <a:ext cx="21945600" cy="14630400"/>
             </a:xfrm>
             <a:prstGeom prst="rect">
@@ -4310,8 +4310,8 @@
           </p:nvSpPr>
           <p:spPr>
             <a:xfrm>
-              <a:off x="2565400" y="6361906"/>
-              <a:ext cx="731290" cy="646331"/>
+              <a:off x="1422400" y="4267139"/>
+              <a:ext cx="912429" cy="830997"/>
             </a:xfrm>
             <a:prstGeom prst="rect">
               <a:avLst/>
@@ -4325,10 +4325,10 @@
             <a:lstStyle/>
             <a:p>
               <a:r>
-                <a:rPr lang="en-US" altLang="zh-TW" sz="3600" dirty="0"/>
+                <a:rPr lang="en-US" altLang="zh-TW" sz="4800" dirty="0"/>
                 <a:t>(A)</a:t>
               </a:r>
-              <a:endParaRPr lang="zh-TW" altLang="en-US" sz="3600" dirty="0"/>
+              <a:endParaRPr lang="zh-TW" altLang="en-US" sz="4800" dirty="0"/>
             </a:p>
           </p:txBody>
         </p:sp>
@@ -4346,8 +4346,8 @@
           </p:nvSpPr>
           <p:spPr>
             <a:xfrm>
-              <a:off x="12619360" y="6361906"/>
-              <a:ext cx="715260" cy="646331"/>
+              <a:off x="13078732" y="4285275"/>
+              <a:ext cx="891591" cy="830997"/>
             </a:xfrm>
             <a:prstGeom prst="rect">
               <a:avLst/>
@@ -4361,10 +4361,10 @@
             <a:lstStyle/>
             <a:p>
               <a:r>
-                <a:rPr lang="en-US" altLang="zh-TW" sz="3600" dirty="0"/>
+                <a:rPr lang="en-US" altLang="zh-TW" sz="4800" dirty="0"/>
                 <a:t>(B)</a:t>
               </a:r>
-              <a:endParaRPr lang="zh-TW" altLang="en-US" sz="3600" dirty="0"/>
+              <a:endParaRPr lang="zh-TW" altLang="en-US" sz="4800" dirty="0"/>
             </a:p>
           </p:txBody>
         </p:sp>
@@ -4382,7 +4382,7 @@
           </p:nvSpPr>
           <p:spPr>
             <a:xfrm>
-              <a:off x="7035800" y="12184743"/>
+              <a:off x="7035800" y="12489603"/>
               <a:ext cx="1469761" cy="637419"/>
             </a:xfrm>
             <a:prstGeom prst="rect">
@@ -4426,7 +4426,7 @@
           </p:nvSpPr>
           <p:spPr>
             <a:xfrm>
-              <a:off x="14010704" y="12816911"/>
+              <a:off x="14010704" y="13121771"/>
               <a:ext cx="1826141" cy="1181862"/>
             </a:xfrm>
             <a:prstGeom prst="rect">
@@ -4488,7 +4488,7 @@
           </p:nvSpPr>
           <p:spPr>
             <a:xfrm>
-              <a:off x="2686478" y="17258091"/>
+              <a:off x="2686478" y="17562951"/>
               <a:ext cx="3161443" cy="637097"/>
             </a:xfrm>
             <a:prstGeom prst="rect">
@@ -4522,7 +4522,7 @@
           </p:nvSpPr>
           <p:spPr>
             <a:xfrm>
-              <a:off x="10661691" y="15570200"/>
+              <a:off x="9518691" y="14655860"/>
               <a:ext cx="1460528" cy="1182503"/>
             </a:xfrm>
             <a:prstGeom prst="rect">
@@ -4576,7 +4576,7 @@
           </p:nvSpPr>
           <p:spPr>
             <a:xfrm>
-              <a:off x="3494203" y="9093200"/>
+              <a:off x="3494203" y="9398060"/>
               <a:ext cx="2556918" cy="637419"/>
             </a:xfrm>
             <a:prstGeom prst="rect">
@@ -4611,7 +4611,7 @@
           </p:nvSpPr>
           <p:spPr>
             <a:xfrm>
-              <a:off x="5211306" y="3962279"/>
+              <a:off x="5211306" y="4267139"/>
               <a:ext cx="2659254" cy="646331"/>
             </a:xfrm>
             <a:prstGeom prst="rect">
@@ -4646,7 +4646,7 @@
           </p:nvSpPr>
           <p:spPr>
             <a:xfrm>
-              <a:off x="16498518" y="3962279"/>
+              <a:off x="16498518" y="4267139"/>
               <a:ext cx="2659254" cy="646331"/>
             </a:xfrm>
             <a:prstGeom prst="rect">
@@ -4700,10 +4700,10 @@
       </p:grpSpPr>
       <p:pic>
         <p:nvPicPr>
-          <p:cNvPr id="2" name="圖片 1">
+          <p:cNvPr id="3" name="圖片 2">
             <a:extLst>
               <a:ext uri="{FF2B5EF4-FFF2-40B4-BE49-F238E27FC236}">
-                <a16:creationId xmlns:a16="http://schemas.microsoft.com/office/drawing/2014/main" id="{B9A7109D-2853-48ED-8FA3-B1530412F81B}"/>
+                <a16:creationId xmlns:a16="http://schemas.microsoft.com/office/drawing/2014/main" id="{7F56ED14-6AE3-4053-A0FD-A9382CBB89F5}"/>
               </a:ext>
             </a:extLst>
           </p:cNvPr>
@@ -4760,10 +4760,10 @@
       </p:grpSpPr>
       <p:pic>
         <p:nvPicPr>
-          <p:cNvPr id="3" name="圖片 2">
+          <p:cNvPr id="2" name="圖片 1">
             <a:extLst>
               <a:ext uri="{FF2B5EF4-FFF2-40B4-BE49-F238E27FC236}">
-                <a16:creationId xmlns:a16="http://schemas.microsoft.com/office/drawing/2014/main" id="{C43AFE41-BAD6-429C-BBD4-F852BBF94C2E}"/>
+                <a16:creationId xmlns:a16="http://schemas.microsoft.com/office/drawing/2014/main" id="{F9E3736A-A633-4AEF-87C8-AADCF4833B22}"/>
               </a:ext>
             </a:extLst>
           </p:cNvPr>
@@ -4820,10 +4820,10 @@
       </p:grpSpPr>
       <p:pic>
         <p:nvPicPr>
-          <p:cNvPr id="2" name="圖片 1">
+          <p:cNvPr id="3" name="圖片 2">
             <a:extLst>
               <a:ext uri="{FF2B5EF4-FFF2-40B4-BE49-F238E27FC236}">
-                <a16:creationId xmlns:a16="http://schemas.microsoft.com/office/drawing/2014/main" id="{4BDF3031-203B-40A7-8688-447C6A76B974}"/>
+                <a16:creationId xmlns:a16="http://schemas.microsoft.com/office/drawing/2014/main" id="{CDE9D91A-4AC9-4E72-B42E-8F256CAA87AE}"/>
               </a:ext>
             </a:extLst>
           </p:cNvPr>
@@ -4880,49 +4880,32 @@
       </p:grpSpPr>
       <p:pic>
         <p:nvPicPr>
-          <p:cNvPr id="1026" name="Picture 2">
+          <p:cNvPr id="2" name="圖片 1">
             <a:extLst>
               <a:ext uri="{FF2B5EF4-FFF2-40B4-BE49-F238E27FC236}">
-                <a16:creationId xmlns:a16="http://schemas.microsoft.com/office/drawing/2014/main" id="{DF634294-5C98-4475-AB94-9F1D02FC8646}"/>
+                <a16:creationId xmlns:a16="http://schemas.microsoft.com/office/drawing/2014/main" id="{5CB9866E-3B1B-4128-AD49-C4DAE55AB326}"/>
               </a:ext>
             </a:extLst>
           </p:cNvPr>
           <p:cNvPicPr>
-            <a:picLocks noChangeAspect="1" noChangeArrowheads="1"/>
+            <a:picLocks noChangeAspect="1"/>
           </p:cNvPicPr>
           <p:nvPr/>
         </p:nvPicPr>
         <p:blipFill>
-          <a:blip r:embed="rId3">
-            <a:extLst>
-              <a:ext uri="{28A0092B-C50C-407E-A947-70E740481C1C}">
-                <a14:useLocalDpi xmlns:a14="http://schemas.microsoft.com/office/drawing/2010/main" val="0"/>
-              </a:ext>
-            </a:extLst>
-          </a:blip>
-          <a:srcRect/>
+          <a:blip r:embed="rId3"/>
           <a:stretch>
             <a:fillRect/>
           </a:stretch>
         </p:blipFill>
-        <p:spPr bwMode="auto">
+        <p:spPr>
           <a:xfrm>
-            <a:off x="0" y="3395663"/>
-            <a:ext cx="23774400" cy="16981487"/>
+            <a:off x="0" y="3396343"/>
+            <a:ext cx="23774400" cy="16981714"/>
           </a:xfrm>
           <a:prstGeom prst="rect">
             <a:avLst/>
           </a:prstGeom>
-          <a:noFill/>
-          <a:extLst>
-            <a:ext uri="{909E8E84-426E-40DD-AFC4-6F175D3DCCD1}">
-              <a14:hiddenFill xmlns:a14="http://schemas.microsoft.com/office/drawing/2010/main">
-                <a:solidFill>
-                  <a:srgbClr val="FFFFFF"/>
-                </a:solidFill>
-              </a14:hiddenFill>
-            </a:ext>
-          </a:extLst>
         </p:spPr>
       </p:pic>
     </p:spTree>
@@ -4957,49 +4940,32 @@
       </p:grpSpPr>
       <p:pic>
         <p:nvPicPr>
-          <p:cNvPr id="2050" name="Picture 2">
+          <p:cNvPr id="2" name="圖片 1">
             <a:extLst>
               <a:ext uri="{FF2B5EF4-FFF2-40B4-BE49-F238E27FC236}">
-                <a16:creationId xmlns:a16="http://schemas.microsoft.com/office/drawing/2014/main" id="{99633195-3ACC-46ED-9373-CE44607090D8}"/>
+                <a16:creationId xmlns:a16="http://schemas.microsoft.com/office/drawing/2014/main" id="{6CAAD425-6E3B-4663-9470-E41E456C8FC7}"/>
               </a:ext>
             </a:extLst>
           </p:cNvPr>
           <p:cNvPicPr>
-            <a:picLocks noChangeAspect="1" noChangeArrowheads="1"/>
+            <a:picLocks noChangeAspect="1"/>
           </p:cNvPicPr>
           <p:nvPr/>
         </p:nvPicPr>
         <p:blipFill>
-          <a:blip r:embed="rId3">
-            <a:extLst>
-              <a:ext uri="{28A0092B-C50C-407E-A947-70E740481C1C}">
-                <a14:useLocalDpi xmlns:a14="http://schemas.microsoft.com/office/drawing/2010/main" val="0"/>
-              </a:ext>
-            </a:extLst>
-          </a:blip>
-          <a:srcRect/>
+          <a:blip r:embed="rId3"/>
           <a:stretch>
             <a:fillRect/>
           </a:stretch>
         </p:blipFill>
-        <p:spPr bwMode="auto">
+        <p:spPr>
           <a:xfrm>
-            <a:off x="0" y="3395663"/>
-            <a:ext cx="23774400" cy="16981487"/>
+            <a:off x="0" y="3396343"/>
+            <a:ext cx="23774400" cy="16981714"/>
           </a:xfrm>
           <a:prstGeom prst="rect">
             <a:avLst/>
           </a:prstGeom>
-          <a:noFill/>
-          <a:extLst>
-            <a:ext uri="{909E8E84-426E-40DD-AFC4-6F175D3DCCD1}">
-              <a14:hiddenFill xmlns:a14="http://schemas.microsoft.com/office/drawing/2010/main">
-                <a:solidFill>
-                  <a:srgbClr val="FFFFFF"/>
-                </a:solidFill>
-              </a14:hiddenFill>
-            </a:ext>
-          </a:extLst>
         </p:spPr>
       </p:pic>
     </p:spTree>
@@ -5046,10 +5012,10 @@
       </p:grpSpPr>
       <p:pic>
         <p:nvPicPr>
-          <p:cNvPr id="2" name="圖片 1">
+          <p:cNvPr id="3" name="圖片 2">
             <a:extLst>
               <a:ext uri="{FF2B5EF4-FFF2-40B4-BE49-F238E27FC236}">
-                <a16:creationId xmlns:a16="http://schemas.microsoft.com/office/drawing/2014/main" id="{9DADAA6C-D959-47AD-BDBF-97A834FAB7F5}"/>
+                <a16:creationId xmlns:a16="http://schemas.microsoft.com/office/drawing/2014/main" id="{17B81369-9D8E-43B4-BF66-3145A82C49F5}"/>
               </a:ext>
             </a:extLst>
           </p:cNvPr>
@@ -5178,10 +5144,10 @@
       </p:grpSpPr>
       <p:pic>
         <p:nvPicPr>
-          <p:cNvPr id="2" name="圖片 1">
+          <p:cNvPr id="3" name="圖片 2">
             <a:extLst>
               <a:ext uri="{FF2B5EF4-FFF2-40B4-BE49-F238E27FC236}">
-                <a16:creationId xmlns:a16="http://schemas.microsoft.com/office/drawing/2014/main" id="{EEDCABBA-CB23-4689-B5C9-2AD073A13C49}"/>
+                <a16:creationId xmlns:a16="http://schemas.microsoft.com/office/drawing/2014/main" id="{B53C6308-0758-4A3A-B88A-944EFEDF85F6}"/>
               </a:ext>
             </a:extLst>
           </p:cNvPr>
@@ -5238,10 +5204,10 @@
       </p:grpSpPr>
       <p:pic>
         <p:nvPicPr>
-          <p:cNvPr id="3" name="圖片 2">
+          <p:cNvPr id="2" name="圖片 1">
             <a:extLst>
               <a:ext uri="{FF2B5EF4-FFF2-40B4-BE49-F238E27FC236}">
-                <a16:creationId xmlns:a16="http://schemas.microsoft.com/office/drawing/2014/main" id="{989FEC6B-BB95-4DDE-9959-76C1C0FA2C5F}"/>
+                <a16:creationId xmlns:a16="http://schemas.microsoft.com/office/drawing/2014/main" id="{C9A847C4-6051-416A-BE95-8799213D0955}"/>
               </a:ext>
             </a:extLst>
           </p:cNvPr>

--- a/ppt/Fig.pptx
+++ b/ppt/Fig.pptx
@@ -206,7 +206,7 @@
           <a:p>
             <a:fld id="{1A913C71-EFAB-43D1-B854-1FA321EB4913}" type="datetimeFigureOut">
               <a:rPr lang="zh-TW" altLang="en-US" smtClean="0"/>
-              <a:t>2023/3/4</a:t>
+              <a:t>2023/4/11</a:t>
             </a:fld>
             <a:endParaRPr lang="zh-TW" altLang="en-US"/>
           </a:p>
@@ -1518,7 +1518,7 @@
           <a:p>
             <a:fld id="{38C88D40-311B-4DC9-B5DC-A97249C6D501}" type="datetimeFigureOut">
               <a:rPr lang="zh-TW" altLang="en-US" smtClean="0"/>
-              <a:t>2023/3/4</a:t>
+              <a:t>2023/4/11</a:t>
             </a:fld>
             <a:endParaRPr lang="zh-TW" altLang="en-US"/>
           </a:p>
@@ -1688,7 +1688,7 @@
           <a:p>
             <a:fld id="{38C88D40-311B-4DC9-B5DC-A97249C6D501}" type="datetimeFigureOut">
               <a:rPr lang="zh-TW" altLang="en-US" smtClean="0"/>
-              <a:t>2023/3/4</a:t>
+              <a:t>2023/4/11</a:t>
             </a:fld>
             <a:endParaRPr lang="zh-TW" altLang="en-US"/>
           </a:p>
@@ -1868,7 +1868,7 @@
           <a:p>
             <a:fld id="{38C88D40-311B-4DC9-B5DC-A97249C6D501}" type="datetimeFigureOut">
               <a:rPr lang="zh-TW" altLang="en-US" smtClean="0"/>
-              <a:t>2023/3/4</a:t>
+              <a:t>2023/4/11</a:t>
             </a:fld>
             <a:endParaRPr lang="zh-TW" altLang="en-US"/>
           </a:p>
@@ -2038,7 +2038,7 @@
           <a:p>
             <a:fld id="{38C88D40-311B-4DC9-B5DC-A97249C6D501}" type="datetimeFigureOut">
               <a:rPr lang="zh-TW" altLang="en-US" smtClean="0"/>
-              <a:t>2023/3/4</a:t>
+              <a:t>2023/4/11</a:t>
             </a:fld>
             <a:endParaRPr lang="zh-TW" altLang="en-US"/>
           </a:p>
@@ -2282,7 +2282,7 @@
           <a:p>
             <a:fld id="{38C88D40-311B-4DC9-B5DC-A97249C6D501}" type="datetimeFigureOut">
               <a:rPr lang="zh-TW" altLang="en-US" smtClean="0"/>
-              <a:t>2023/3/4</a:t>
+              <a:t>2023/4/11</a:t>
             </a:fld>
             <a:endParaRPr lang="zh-TW" altLang="en-US"/>
           </a:p>
@@ -2514,7 +2514,7 @@
           <a:p>
             <a:fld id="{38C88D40-311B-4DC9-B5DC-A97249C6D501}" type="datetimeFigureOut">
               <a:rPr lang="zh-TW" altLang="en-US" smtClean="0"/>
-              <a:t>2023/3/4</a:t>
+              <a:t>2023/4/11</a:t>
             </a:fld>
             <a:endParaRPr lang="zh-TW" altLang="en-US"/>
           </a:p>
@@ -2881,7 +2881,7 @@
           <a:p>
             <a:fld id="{38C88D40-311B-4DC9-B5DC-A97249C6D501}" type="datetimeFigureOut">
               <a:rPr lang="zh-TW" altLang="en-US" smtClean="0"/>
-              <a:t>2023/3/4</a:t>
+              <a:t>2023/4/11</a:t>
             </a:fld>
             <a:endParaRPr lang="zh-TW" altLang="en-US"/>
           </a:p>
@@ -2999,7 +2999,7 @@
           <a:p>
             <a:fld id="{38C88D40-311B-4DC9-B5DC-A97249C6D501}" type="datetimeFigureOut">
               <a:rPr lang="zh-TW" altLang="en-US" smtClean="0"/>
-              <a:t>2023/3/4</a:t>
+              <a:t>2023/4/11</a:t>
             </a:fld>
             <a:endParaRPr lang="zh-TW" altLang="en-US"/>
           </a:p>
@@ -3094,7 +3094,7 @@
           <a:p>
             <a:fld id="{38C88D40-311B-4DC9-B5DC-A97249C6D501}" type="datetimeFigureOut">
               <a:rPr lang="zh-TW" altLang="en-US" smtClean="0"/>
-              <a:t>2023/3/4</a:t>
+              <a:t>2023/4/11</a:t>
             </a:fld>
             <a:endParaRPr lang="zh-TW" altLang="en-US"/>
           </a:p>
@@ -3371,7 +3371,7 @@
           <a:p>
             <a:fld id="{38C88D40-311B-4DC9-B5DC-A97249C6D501}" type="datetimeFigureOut">
               <a:rPr lang="zh-TW" altLang="en-US" smtClean="0"/>
-              <a:t>2023/3/4</a:t>
+              <a:t>2023/4/11</a:t>
             </a:fld>
             <a:endParaRPr lang="zh-TW" altLang="en-US"/>
           </a:p>
@@ -3628,7 +3628,7 @@
           <a:p>
             <a:fld id="{38C88D40-311B-4DC9-B5DC-A97249C6D501}" type="datetimeFigureOut">
               <a:rPr lang="zh-TW" altLang="en-US" smtClean="0"/>
-              <a:t>2023/3/4</a:t>
+              <a:t>2023/4/11</a:t>
             </a:fld>
             <a:endParaRPr lang="zh-TW" altLang="en-US"/>
           </a:p>
@@ -3841,7 +3841,7 @@
           <a:p>
             <a:fld id="{38C88D40-311B-4DC9-B5DC-A97249C6D501}" type="datetimeFigureOut">
               <a:rPr lang="zh-TW" altLang="en-US" smtClean="0"/>
-              <a:t>2023/3/4</a:t>
+              <a:t>2023/4/11</a:t>
             </a:fld>
             <a:endParaRPr lang="zh-TW" altLang="en-US"/>
           </a:p>
@@ -4346,7 +4346,7 @@
           </p:nvSpPr>
           <p:spPr>
             <a:xfrm>
-              <a:off x="12619360" y="6361906"/>
+              <a:off x="13832904" y="6341377"/>
               <a:ext cx="715260" cy="646331"/>
             </a:xfrm>
             <a:prstGeom prst="rect">
@@ -4522,7 +4522,7 @@
           </p:nvSpPr>
           <p:spPr>
             <a:xfrm>
-              <a:off x="10661691" y="15570200"/>
+              <a:off x="9544091" y="14655800"/>
               <a:ext cx="1460528" cy="1182503"/>
             </a:xfrm>
             <a:prstGeom prst="rect">
